--- a/apresentacao/Projeto Apresentação.pptx
+++ b/apresentacao/Projeto Apresentação.pptx
@@ -4053,7 +4053,7 @@
                 <a:latin typeface="Times New Roman" panose="02020603050405020304" pitchFamily="18" charset="0"/>
                 <a:cs typeface="Times New Roman" panose="02020603050405020304" pitchFamily="18" charset="0"/>
               </a:rPr>
-              <a:t>Resultado</a:t>
+              <a:t>Problema</a:t>
             </a:r>
             <a:endParaRPr lang="pt-BR" sz="5400" b="1" dirty="0">
               <a:effectLst>
@@ -4826,8 +4826,8 @@
           <a:noFill/>
         </p:spPr>
       </p:pic>
-      <mc:AlternateContent xmlns:mc="http://schemas.openxmlformats.org/markup-compatibility/2006">
-        <mc:Choice xmlns:a14="http://schemas.microsoft.com/office/drawing/2010/main" Requires="a14">
+      <mc:AlternateContent xmlns:mc="http://schemas.openxmlformats.org/markup-compatibility/2006" xmlns:a14="http://schemas.microsoft.com/office/drawing/2010/main">
+        <mc:Choice Requires="a14">
           <p:sp>
             <p:nvSpPr>
               <p:cNvPr id="6" name="Retângulo 5"/>
@@ -5139,7 +5139,7 @@
             </p:txBody>
           </p:sp>
         </mc:Choice>
-        <mc:Fallback>
+        <mc:Fallback xmlns="">
           <p:sp>
             <p:nvSpPr>
               <p:cNvPr id="6" name="Retângulo 5"/>
@@ -5232,8 +5232,8 @@
           </a:p>
         </p:txBody>
       </p:sp>
-      <mc:AlternateContent xmlns:mc="http://schemas.openxmlformats.org/markup-compatibility/2006">
-        <mc:Choice xmlns:a14="http://schemas.microsoft.com/office/drawing/2010/main" Requires="a14">
+      <mc:AlternateContent xmlns:mc="http://schemas.openxmlformats.org/markup-compatibility/2006" xmlns:a14="http://schemas.microsoft.com/office/drawing/2010/main">
+        <mc:Choice Requires="a14">
           <p:sp>
             <p:nvSpPr>
               <p:cNvPr id="8" name="Retângulo 7"/>
@@ -5561,7 +5561,7 @@
             </p:txBody>
           </p:sp>
         </mc:Choice>
-        <mc:Fallback>
+        <mc:Fallback xmlns="">
           <p:sp>
             <p:nvSpPr>
               <p:cNvPr id="8" name="Retângulo 7"/>
@@ -5720,36 +5720,6 @@
           </a:p>
         </p:txBody>
       </p:sp>
-      <p:sp>
-        <p:nvSpPr>
-          <p:cNvPr id="3" name="Espaço Reservado para Conteúdo 2"/>
-          <p:cNvSpPr>
-            <a:spLocks noGrp="1"/>
-          </p:cNvSpPr>
-          <p:nvPr>
-            <p:ph idx="1"/>
-          </p:nvPr>
-        </p:nvSpPr>
-        <p:spPr>
-          <a:xfrm>
-            <a:off x="838200" y="1825624"/>
-            <a:ext cx="10515600" cy="4698743"/>
-          </a:xfrm>
-        </p:spPr>
-        <p:txBody>
-          <a:bodyPr>
-            <a:normAutofit/>
-          </a:bodyPr>
-          <a:lstStyle/>
-          <a:p>
-            <a:pPr lvl="2"/>
-            <a:endParaRPr lang="pt-BR" sz="2800" dirty="0" smtClean="0">
-              <a:latin typeface="Times New Roman" panose="02020603050405020304" pitchFamily="18" charset="0"/>
-              <a:cs typeface="Times New Roman" panose="02020603050405020304" pitchFamily="18" charset="0"/>
-            </a:endParaRPr>
-          </a:p>
-        </p:txBody>
-      </p:sp>
       <p:pic>
         <p:nvPicPr>
           <p:cNvPr id="4" name="Picture 2" descr="C:\Users\thiago\Desktop\Estudo BCC\introdução à Ciência da computação\Trabalho ICC\UFRPE Imagem.jpg"/>
@@ -5776,6 +5746,2557 @@
           <a:noFill/>
         </p:spPr>
       </p:pic>
+      <p:sp>
+        <p:nvSpPr>
+          <p:cNvPr id="9" name="Espaço Reservado para Conteúdo 8"/>
+          <p:cNvSpPr>
+            <a:spLocks noGrp="1"/>
+          </p:cNvSpPr>
+          <p:nvPr>
+            <p:ph idx="1"/>
+          </p:nvPr>
+        </p:nvSpPr>
+        <p:spPr/>
+        <p:txBody>
+          <a:bodyPr/>
+          <a:lstStyle/>
+          <a:p>
+            <a:r>
+              <a:rPr lang="pt-BR" dirty="0" smtClean="0"/>
+              <a:t>K = 5, leitura aleatória				K = 5, leitura ordenada</a:t>
+            </a:r>
+          </a:p>
+          <a:p>
+            <a:endParaRPr lang="pt-BR" dirty="0" smtClean="0"/>
+          </a:p>
+          <a:p>
+            <a:endParaRPr lang="pt-BR" dirty="0"/>
+          </a:p>
+          <a:p>
+            <a:endParaRPr lang="pt-BR" dirty="0" smtClean="0"/>
+          </a:p>
+          <a:p>
+            <a:endParaRPr lang="pt-BR" dirty="0"/>
+          </a:p>
+          <a:p>
+            <a:r>
+              <a:rPr lang="pt-BR" dirty="0" smtClean="0"/>
+              <a:t>K = 57, leitura aleatória				K=57, leitura ordenada</a:t>
+            </a:r>
+            <a:endParaRPr lang="pt-BR" dirty="0"/>
+          </a:p>
+        </p:txBody>
+      </p:sp>
+      <p:graphicFrame>
+        <p:nvGraphicFramePr>
+          <p:cNvPr id="10" name="Tabela 9"/>
+          <p:cNvGraphicFramePr>
+            <a:graphicFrameLocks noGrp="1"/>
+          </p:cNvGraphicFramePr>
+          <p:nvPr>
+            <p:extLst>
+              <p:ext uri="{D42A27DB-BD31-4B8C-83A1-F6EECF244321}">
+                <p14:modId xmlns:p14="http://schemas.microsoft.com/office/powerpoint/2010/main" val="3960515178"/>
+              </p:ext>
+            </p:extLst>
+          </p:nvPr>
+        </p:nvGraphicFramePr>
+        <p:xfrm>
+          <a:off x="838201" y="2426851"/>
+          <a:ext cx="5124718" cy="1077637"/>
+        </p:xfrm>
+        <a:graphic>
+          <a:graphicData uri="http://schemas.openxmlformats.org/drawingml/2006/table">
+            <a:tbl>
+              <a:tblPr firstRow="1" firstCol="1" bandRow="1">
+                <a:tableStyleId>{5C22544A-7EE6-4342-B048-85BDC9FD1C3A}</a:tableStyleId>
+              </a:tblPr>
+              <a:tblGrid>
+                <a:gridCol w="1280770"/>
+                <a:gridCol w="1281316"/>
+                <a:gridCol w="1281316"/>
+                <a:gridCol w="1281316"/>
+              </a:tblGrid>
+              <a:tr h="446143">
+                <a:tc>
+                  <a:txBody>
+                    <a:bodyPr/>
+                    <a:lstStyle/>
+                    <a:p>
+                      <a:pPr algn="ctr">
+                        <a:lnSpc>
+                          <a:spcPct val="150000"/>
+                        </a:lnSpc>
+                        <a:spcAft>
+                          <a:spcPts val="0"/>
+                        </a:spcAft>
+                      </a:pPr>
+                      <a:r>
+                        <a:rPr lang="pt-BR" sz="1000" dirty="0">
+                          <a:effectLst/>
+                        </a:rPr>
+                        <a:t>Distância Euclidiana </a:t>
+                      </a:r>
+                      <a:endParaRPr lang="pt-BR" sz="900" dirty="0">
+                        <a:effectLst/>
+                        <a:latin typeface="Times New Roman" panose="02020603050405020304" pitchFamily="18" charset="0"/>
+                        <a:ea typeface="Times New Roman" panose="02020603050405020304" pitchFamily="18" charset="0"/>
+                        <a:cs typeface="Times New Roman" panose="02020603050405020304" pitchFamily="18" charset="0"/>
+                      </a:endParaRPr>
+                    </a:p>
+                  </a:txBody>
+                  <a:tcPr marL="58911" marR="58911" marT="0" marB="0" anchor="ctr"/>
+                </a:tc>
+                <a:tc>
+                  <a:txBody>
+                    <a:bodyPr/>
+                    <a:lstStyle/>
+                    <a:p>
+                      <a:pPr algn="ctr">
+                        <a:lnSpc>
+                          <a:spcPct val="150000"/>
+                        </a:lnSpc>
+                        <a:spcAft>
+                          <a:spcPts val="0"/>
+                        </a:spcAft>
+                      </a:pPr>
+                      <a:r>
+                        <a:rPr lang="pt-BR" sz="1000">
+                          <a:effectLst/>
+                        </a:rPr>
+                        <a:t>Distância Manhattan</a:t>
+                      </a:r>
+                      <a:endParaRPr lang="pt-BR" sz="900">
+                        <a:effectLst/>
+                        <a:latin typeface="Times New Roman" panose="02020603050405020304" pitchFamily="18" charset="0"/>
+                        <a:ea typeface="Times New Roman" panose="02020603050405020304" pitchFamily="18" charset="0"/>
+                        <a:cs typeface="Times New Roman" panose="02020603050405020304" pitchFamily="18" charset="0"/>
+                      </a:endParaRPr>
+                    </a:p>
+                  </a:txBody>
+                  <a:tcPr marL="58911" marR="58911" marT="0" marB="0" anchor="ctr"/>
+                </a:tc>
+                <a:tc>
+                  <a:txBody>
+                    <a:bodyPr/>
+                    <a:lstStyle/>
+                    <a:p>
+                      <a:pPr algn="ctr">
+                        <a:lnSpc>
+                          <a:spcPct val="150000"/>
+                        </a:lnSpc>
+                        <a:spcAft>
+                          <a:spcPts val="0"/>
+                        </a:spcAft>
+                      </a:pPr>
+                      <a:r>
+                        <a:rPr lang="pt-BR" sz="1000">
+                          <a:effectLst/>
+                        </a:rPr>
+                        <a:t>Distância Manhattan Ponderada</a:t>
+                      </a:r>
+                      <a:endParaRPr lang="pt-BR" sz="900">
+                        <a:effectLst/>
+                        <a:latin typeface="Times New Roman" panose="02020603050405020304" pitchFamily="18" charset="0"/>
+                        <a:ea typeface="Times New Roman" panose="02020603050405020304" pitchFamily="18" charset="0"/>
+                        <a:cs typeface="Times New Roman" panose="02020603050405020304" pitchFamily="18" charset="0"/>
+                      </a:endParaRPr>
+                    </a:p>
+                  </a:txBody>
+                  <a:tcPr marL="58911" marR="58911" marT="0" marB="0" anchor="ctr"/>
+                </a:tc>
+                <a:tc>
+                  <a:txBody>
+                    <a:bodyPr/>
+                    <a:lstStyle/>
+                    <a:p>
+                      <a:pPr algn="ctr">
+                        <a:lnSpc>
+                          <a:spcPct val="150000"/>
+                        </a:lnSpc>
+                        <a:spcAft>
+                          <a:spcPts val="0"/>
+                        </a:spcAft>
+                      </a:pPr>
+                      <a:r>
+                        <a:rPr lang="pt-BR" sz="1000" dirty="0">
+                          <a:effectLst/>
+                        </a:rPr>
+                        <a:t>Distância Euclidiana Ponderada</a:t>
+                      </a:r>
+                      <a:endParaRPr lang="pt-BR" sz="900" dirty="0">
+                        <a:effectLst/>
+                        <a:latin typeface="Times New Roman" panose="02020603050405020304" pitchFamily="18" charset="0"/>
+                        <a:ea typeface="Times New Roman" panose="02020603050405020304" pitchFamily="18" charset="0"/>
+                        <a:cs typeface="Times New Roman" panose="02020603050405020304" pitchFamily="18" charset="0"/>
+                      </a:endParaRPr>
+                    </a:p>
+                  </a:txBody>
+                  <a:tcPr marL="58911" marR="58911" marT="0" marB="0" anchor="ctr"/>
+                </a:tc>
+              </a:tr>
+              <a:tr h="210498">
+                <a:tc>
+                  <a:txBody>
+                    <a:bodyPr/>
+                    <a:lstStyle/>
+                    <a:p>
+                      <a:pPr algn="ctr">
+                        <a:lnSpc>
+                          <a:spcPct val="150000"/>
+                        </a:lnSpc>
+                        <a:spcAft>
+                          <a:spcPts val="0"/>
+                        </a:spcAft>
+                      </a:pPr>
+                      <a:r>
+                        <a:rPr lang="pt-BR" sz="1000" b="0" dirty="0">
+                          <a:solidFill>
+                            <a:schemeClr val="tx1"/>
+                          </a:solidFill>
+                          <a:effectLst/>
+                        </a:rPr>
+                        <a:t>100% em 4288 ms</a:t>
+                      </a:r>
+                      <a:endParaRPr lang="pt-BR" sz="900" b="0" dirty="0">
+                        <a:solidFill>
+                          <a:schemeClr val="tx1"/>
+                        </a:solidFill>
+                        <a:effectLst/>
+                        <a:latin typeface="Times New Roman" panose="02020603050405020304" pitchFamily="18" charset="0"/>
+                        <a:ea typeface="Times New Roman" panose="02020603050405020304" pitchFamily="18" charset="0"/>
+                        <a:cs typeface="Times New Roman" panose="02020603050405020304" pitchFamily="18" charset="0"/>
+                      </a:endParaRPr>
+                    </a:p>
+                  </a:txBody>
+                  <a:tcPr marL="58911" marR="58911" marT="0" marB="0" anchor="ctr">
+                    <a:solidFill>
+                      <a:schemeClr val="accent1">
+                        <a:tint val="40000"/>
+                      </a:schemeClr>
+                    </a:solidFill>
+                  </a:tcPr>
+                </a:tc>
+                <a:tc>
+                  <a:txBody>
+                    <a:bodyPr/>
+                    <a:lstStyle/>
+                    <a:p>
+                      <a:pPr algn="ctr">
+                        <a:lnSpc>
+                          <a:spcPct val="150000"/>
+                        </a:lnSpc>
+                        <a:spcAft>
+                          <a:spcPts val="0"/>
+                        </a:spcAft>
+                      </a:pPr>
+                      <a:r>
+                        <a:rPr lang="pt-BR" sz="1000" dirty="0">
+                          <a:solidFill>
+                            <a:schemeClr val="tx1"/>
+                          </a:solidFill>
+                          <a:effectLst/>
+                        </a:rPr>
+                        <a:t>11% em 5047 ms</a:t>
+                      </a:r>
+                      <a:endParaRPr lang="pt-BR" sz="900" dirty="0">
+                        <a:solidFill>
+                          <a:schemeClr val="tx1"/>
+                        </a:solidFill>
+                        <a:effectLst/>
+                        <a:latin typeface="Times New Roman" panose="02020603050405020304" pitchFamily="18" charset="0"/>
+                        <a:ea typeface="Times New Roman" panose="02020603050405020304" pitchFamily="18" charset="0"/>
+                        <a:cs typeface="Times New Roman" panose="02020603050405020304" pitchFamily="18" charset="0"/>
+                      </a:endParaRPr>
+                    </a:p>
+                  </a:txBody>
+                  <a:tcPr marL="58911" marR="58911" marT="0" marB="0" anchor="ctr">
+                    <a:solidFill>
+                      <a:schemeClr val="accent1">
+                        <a:tint val="40000"/>
+                      </a:schemeClr>
+                    </a:solidFill>
+                  </a:tcPr>
+                </a:tc>
+                <a:tc>
+                  <a:txBody>
+                    <a:bodyPr/>
+                    <a:lstStyle/>
+                    <a:p>
+                      <a:pPr algn="ctr">
+                        <a:lnSpc>
+                          <a:spcPct val="150000"/>
+                        </a:lnSpc>
+                        <a:spcAft>
+                          <a:spcPts val="0"/>
+                        </a:spcAft>
+                      </a:pPr>
+                      <a:r>
+                        <a:rPr lang="pt-BR" sz="1000" dirty="0">
+                          <a:effectLst/>
+                        </a:rPr>
+                        <a:t>11% em 9117 ms</a:t>
+                      </a:r>
+                      <a:endParaRPr lang="pt-BR" sz="900" dirty="0">
+                        <a:effectLst/>
+                        <a:latin typeface="Times New Roman" panose="02020603050405020304" pitchFamily="18" charset="0"/>
+                        <a:ea typeface="Times New Roman" panose="02020603050405020304" pitchFamily="18" charset="0"/>
+                        <a:cs typeface="Times New Roman" panose="02020603050405020304" pitchFamily="18" charset="0"/>
+                      </a:endParaRPr>
+                    </a:p>
+                  </a:txBody>
+                  <a:tcPr marL="58911" marR="58911" marT="0" marB="0" anchor="ctr">
+                    <a:solidFill>
+                      <a:schemeClr val="accent1">
+                        <a:tint val="40000"/>
+                      </a:schemeClr>
+                    </a:solidFill>
+                  </a:tcPr>
+                </a:tc>
+                <a:tc>
+                  <a:txBody>
+                    <a:bodyPr/>
+                    <a:lstStyle/>
+                    <a:p>
+                      <a:pPr algn="ctr">
+                        <a:lnSpc>
+                          <a:spcPct val="150000"/>
+                        </a:lnSpc>
+                        <a:spcAft>
+                          <a:spcPts val="0"/>
+                        </a:spcAft>
+                      </a:pPr>
+                      <a:r>
+                        <a:rPr lang="pt-BR" sz="1000" dirty="0">
+                          <a:effectLst/>
+                        </a:rPr>
+                        <a:t>0% em 12771 ms</a:t>
+                      </a:r>
+                      <a:endParaRPr lang="pt-BR" sz="900" dirty="0">
+                        <a:effectLst/>
+                        <a:latin typeface="Times New Roman" panose="02020603050405020304" pitchFamily="18" charset="0"/>
+                        <a:ea typeface="Times New Roman" panose="02020603050405020304" pitchFamily="18" charset="0"/>
+                        <a:cs typeface="Times New Roman" panose="02020603050405020304" pitchFamily="18" charset="0"/>
+                      </a:endParaRPr>
+                    </a:p>
+                  </a:txBody>
+                  <a:tcPr marL="58911" marR="58911" marT="0" marB="0" anchor="ctr">
+                    <a:solidFill>
+                      <a:schemeClr val="accent1">
+                        <a:tint val="40000"/>
+                      </a:schemeClr>
+                    </a:solidFill>
+                  </a:tcPr>
+                </a:tc>
+              </a:tr>
+              <a:tr h="210498">
+                <a:tc>
+                  <a:txBody>
+                    <a:bodyPr/>
+                    <a:lstStyle/>
+                    <a:p>
+                      <a:pPr algn="ctr">
+                        <a:lnSpc>
+                          <a:spcPct val="150000"/>
+                        </a:lnSpc>
+                        <a:spcAft>
+                          <a:spcPts val="0"/>
+                        </a:spcAft>
+                      </a:pPr>
+                      <a:r>
+                        <a:rPr lang="pt-BR" sz="1000" b="0" dirty="0">
+                          <a:solidFill>
+                            <a:schemeClr val="tx1"/>
+                          </a:solidFill>
+                          <a:effectLst/>
+                        </a:rPr>
+                        <a:t>100% em 2648 ms</a:t>
+                      </a:r>
+                      <a:endParaRPr lang="pt-BR" sz="900" b="0" dirty="0">
+                        <a:solidFill>
+                          <a:schemeClr val="tx1"/>
+                        </a:solidFill>
+                        <a:effectLst/>
+                        <a:latin typeface="Times New Roman" panose="02020603050405020304" pitchFamily="18" charset="0"/>
+                        <a:ea typeface="Times New Roman" panose="02020603050405020304" pitchFamily="18" charset="0"/>
+                        <a:cs typeface="Times New Roman" panose="02020603050405020304" pitchFamily="18" charset="0"/>
+                      </a:endParaRPr>
+                    </a:p>
+                  </a:txBody>
+                  <a:tcPr marL="58911" marR="58911" marT="0" marB="0" anchor="ctr">
+                    <a:solidFill>
+                      <a:schemeClr val="accent1">
+                        <a:tint val="40000"/>
+                      </a:schemeClr>
+                    </a:solidFill>
+                  </a:tcPr>
+                </a:tc>
+                <a:tc>
+                  <a:txBody>
+                    <a:bodyPr/>
+                    <a:lstStyle/>
+                    <a:p>
+                      <a:pPr algn="ctr">
+                        <a:lnSpc>
+                          <a:spcPct val="150000"/>
+                        </a:lnSpc>
+                        <a:spcAft>
+                          <a:spcPts val="0"/>
+                        </a:spcAft>
+                      </a:pPr>
+                      <a:r>
+                        <a:rPr lang="pt-BR" sz="1000" dirty="0">
+                          <a:solidFill>
+                            <a:schemeClr val="tx1"/>
+                          </a:solidFill>
+                          <a:effectLst/>
+                        </a:rPr>
+                        <a:t>11% em 5021 ms</a:t>
+                      </a:r>
+                      <a:endParaRPr lang="pt-BR" sz="900" dirty="0">
+                        <a:solidFill>
+                          <a:schemeClr val="tx1"/>
+                        </a:solidFill>
+                        <a:effectLst/>
+                        <a:latin typeface="Times New Roman" panose="02020603050405020304" pitchFamily="18" charset="0"/>
+                        <a:ea typeface="Times New Roman" panose="02020603050405020304" pitchFamily="18" charset="0"/>
+                        <a:cs typeface="Times New Roman" panose="02020603050405020304" pitchFamily="18" charset="0"/>
+                      </a:endParaRPr>
+                    </a:p>
+                  </a:txBody>
+                  <a:tcPr marL="58911" marR="58911" marT="0" marB="0" anchor="ctr">
+                    <a:solidFill>
+                      <a:schemeClr val="accent1">
+                        <a:tint val="40000"/>
+                      </a:schemeClr>
+                    </a:solidFill>
+                  </a:tcPr>
+                </a:tc>
+                <a:tc>
+                  <a:txBody>
+                    <a:bodyPr/>
+                    <a:lstStyle/>
+                    <a:p>
+                      <a:pPr algn="ctr">
+                        <a:lnSpc>
+                          <a:spcPct val="150000"/>
+                        </a:lnSpc>
+                        <a:spcAft>
+                          <a:spcPts val="0"/>
+                        </a:spcAft>
+                      </a:pPr>
+                      <a:r>
+                        <a:rPr lang="pt-BR" sz="1000" dirty="0">
+                          <a:effectLst/>
+                        </a:rPr>
+                        <a:t>11% em 9203 ms</a:t>
+                      </a:r>
+                      <a:endParaRPr lang="pt-BR" sz="900" dirty="0">
+                        <a:effectLst/>
+                        <a:latin typeface="Times New Roman" panose="02020603050405020304" pitchFamily="18" charset="0"/>
+                        <a:ea typeface="Times New Roman" panose="02020603050405020304" pitchFamily="18" charset="0"/>
+                        <a:cs typeface="Times New Roman" panose="02020603050405020304" pitchFamily="18" charset="0"/>
+                      </a:endParaRPr>
+                    </a:p>
+                  </a:txBody>
+                  <a:tcPr marL="58911" marR="58911" marT="0" marB="0" anchor="ctr">
+                    <a:solidFill>
+                      <a:schemeClr val="accent1">
+                        <a:tint val="40000"/>
+                      </a:schemeClr>
+                    </a:solidFill>
+                  </a:tcPr>
+                </a:tc>
+                <a:tc>
+                  <a:txBody>
+                    <a:bodyPr/>
+                    <a:lstStyle/>
+                    <a:p>
+                      <a:pPr algn="ctr">
+                        <a:lnSpc>
+                          <a:spcPct val="150000"/>
+                        </a:lnSpc>
+                        <a:spcAft>
+                          <a:spcPts val="0"/>
+                        </a:spcAft>
+                      </a:pPr>
+                      <a:r>
+                        <a:rPr lang="pt-BR" sz="1000" dirty="0">
+                          <a:effectLst/>
+                        </a:rPr>
+                        <a:t>0% em 11960 ms</a:t>
+                      </a:r>
+                      <a:endParaRPr lang="pt-BR" sz="900" dirty="0">
+                        <a:effectLst/>
+                        <a:latin typeface="Times New Roman" panose="02020603050405020304" pitchFamily="18" charset="0"/>
+                        <a:ea typeface="Times New Roman" panose="02020603050405020304" pitchFamily="18" charset="0"/>
+                        <a:cs typeface="Times New Roman" panose="02020603050405020304" pitchFamily="18" charset="0"/>
+                      </a:endParaRPr>
+                    </a:p>
+                  </a:txBody>
+                  <a:tcPr marL="58911" marR="58911" marT="0" marB="0" anchor="ctr">
+                    <a:solidFill>
+                      <a:schemeClr val="accent1">
+                        <a:tint val="40000"/>
+                      </a:schemeClr>
+                    </a:solidFill>
+                  </a:tcPr>
+                </a:tc>
+              </a:tr>
+              <a:tr h="210498">
+                <a:tc>
+                  <a:txBody>
+                    <a:bodyPr/>
+                    <a:lstStyle/>
+                    <a:p>
+                      <a:pPr algn="ctr">
+                        <a:lnSpc>
+                          <a:spcPct val="150000"/>
+                        </a:lnSpc>
+                        <a:spcAft>
+                          <a:spcPts val="0"/>
+                        </a:spcAft>
+                      </a:pPr>
+                      <a:r>
+                        <a:rPr lang="pt-BR" sz="1000" b="0" dirty="0">
+                          <a:solidFill>
+                            <a:schemeClr val="tx1"/>
+                          </a:solidFill>
+                          <a:effectLst/>
+                        </a:rPr>
+                        <a:t>100% em 4312 ms</a:t>
+                      </a:r>
+                      <a:endParaRPr lang="pt-BR" sz="900" b="0" dirty="0">
+                        <a:solidFill>
+                          <a:schemeClr val="tx1"/>
+                        </a:solidFill>
+                        <a:effectLst/>
+                        <a:latin typeface="Times New Roman" panose="02020603050405020304" pitchFamily="18" charset="0"/>
+                        <a:ea typeface="Times New Roman" panose="02020603050405020304" pitchFamily="18" charset="0"/>
+                        <a:cs typeface="Times New Roman" panose="02020603050405020304" pitchFamily="18" charset="0"/>
+                      </a:endParaRPr>
+                    </a:p>
+                  </a:txBody>
+                  <a:tcPr marL="58911" marR="58911" marT="0" marB="0" anchor="ctr">
+                    <a:solidFill>
+                      <a:schemeClr val="accent1">
+                        <a:tint val="40000"/>
+                      </a:schemeClr>
+                    </a:solidFill>
+                  </a:tcPr>
+                </a:tc>
+                <a:tc>
+                  <a:txBody>
+                    <a:bodyPr/>
+                    <a:lstStyle/>
+                    <a:p>
+                      <a:pPr algn="ctr">
+                        <a:lnSpc>
+                          <a:spcPct val="150000"/>
+                        </a:lnSpc>
+                        <a:spcAft>
+                          <a:spcPts val="0"/>
+                        </a:spcAft>
+                      </a:pPr>
+                      <a:r>
+                        <a:rPr lang="pt-BR" sz="1000" dirty="0">
+                          <a:solidFill>
+                            <a:schemeClr val="tx1"/>
+                          </a:solidFill>
+                          <a:effectLst/>
+                        </a:rPr>
+                        <a:t>11% em 5028 ms</a:t>
+                      </a:r>
+                      <a:endParaRPr lang="pt-BR" sz="900" dirty="0">
+                        <a:solidFill>
+                          <a:schemeClr val="tx1"/>
+                        </a:solidFill>
+                        <a:effectLst/>
+                        <a:latin typeface="Times New Roman" panose="02020603050405020304" pitchFamily="18" charset="0"/>
+                        <a:ea typeface="Times New Roman" panose="02020603050405020304" pitchFamily="18" charset="0"/>
+                        <a:cs typeface="Times New Roman" panose="02020603050405020304" pitchFamily="18" charset="0"/>
+                      </a:endParaRPr>
+                    </a:p>
+                  </a:txBody>
+                  <a:tcPr marL="58911" marR="58911" marT="0" marB="0" anchor="ctr">
+                    <a:solidFill>
+                      <a:schemeClr val="accent1">
+                        <a:tint val="40000"/>
+                      </a:schemeClr>
+                    </a:solidFill>
+                  </a:tcPr>
+                </a:tc>
+                <a:tc>
+                  <a:txBody>
+                    <a:bodyPr/>
+                    <a:lstStyle/>
+                    <a:p>
+                      <a:pPr algn="ctr">
+                        <a:lnSpc>
+                          <a:spcPct val="150000"/>
+                        </a:lnSpc>
+                        <a:spcAft>
+                          <a:spcPts val="0"/>
+                        </a:spcAft>
+                      </a:pPr>
+                      <a:r>
+                        <a:rPr lang="pt-BR" sz="1000" dirty="0">
+                          <a:effectLst/>
+                        </a:rPr>
+                        <a:t>11% em 9213 ms</a:t>
+                      </a:r>
+                      <a:endParaRPr lang="pt-BR" sz="900" dirty="0">
+                        <a:effectLst/>
+                        <a:latin typeface="Times New Roman" panose="02020603050405020304" pitchFamily="18" charset="0"/>
+                        <a:ea typeface="Times New Roman" panose="02020603050405020304" pitchFamily="18" charset="0"/>
+                        <a:cs typeface="Times New Roman" panose="02020603050405020304" pitchFamily="18" charset="0"/>
+                      </a:endParaRPr>
+                    </a:p>
+                  </a:txBody>
+                  <a:tcPr marL="58911" marR="58911" marT="0" marB="0" anchor="ctr">
+                    <a:solidFill>
+                      <a:schemeClr val="accent1">
+                        <a:tint val="40000"/>
+                      </a:schemeClr>
+                    </a:solidFill>
+                  </a:tcPr>
+                </a:tc>
+                <a:tc>
+                  <a:txBody>
+                    <a:bodyPr/>
+                    <a:lstStyle/>
+                    <a:p>
+                      <a:pPr algn="ctr">
+                        <a:lnSpc>
+                          <a:spcPct val="150000"/>
+                        </a:lnSpc>
+                        <a:spcAft>
+                          <a:spcPts val="0"/>
+                        </a:spcAft>
+                      </a:pPr>
+                      <a:r>
+                        <a:rPr lang="pt-BR" sz="1000" dirty="0">
+                          <a:effectLst/>
+                        </a:rPr>
+                        <a:t>0% em 11532 ms</a:t>
+                      </a:r>
+                      <a:endParaRPr lang="pt-BR" sz="900" dirty="0">
+                        <a:effectLst/>
+                        <a:latin typeface="Times New Roman" panose="02020603050405020304" pitchFamily="18" charset="0"/>
+                        <a:ea typeface="Times New Roman" panose="02020603050405020304" pitchFamily="18" charset="0"/>
+                        <a:cs typeface="Times New Roman" panose="02020603050405020304" pitchFamily="18" charset="0"/>
+                      </a:endParaRPr>
+                    </a:p>
+                  </a:txBody>
+                  <a:tcPr marL="58911" marR="58911" marT="0" marB="0" anchor="ctr">
+                    <a:solidFill>
+                      <a:schemeClr val="accent1">
+                        <a:tint val="40000"/>
+                      </a:schemeClr>
+                    </a:solidFill>
+                  </a:tcPr>
+                </a:tc>
+              </a:tr>
+            </a:tbl>
+          </a:graphicData>
+        </a:graphic>
+      </p:graphicFrame>
+      <p:graphicFrame>
+        <p:nvGraphicFramePr>
+          <p:cNvPr id="11" name="Tabela 10"/>
+          <p:cNvGraphicFramePr>
+            <a:graphicFrameLocks noGrp="1"/>
+          </p:cNvGraphicFramePr>
+          <p:nvPr>
+            <p:extLst>
+              <p:ext uri="{D42A27DB-BD31-4B8C-83A1-F6EECF244321}">
+                <p14:modId xmlns:p14="http://schemas.microsoft.com/office/powerpoint/2010/main" val="392018032"/>
+              </p:ext>
+            </p:extLst>
+          </p:nvPr>
+        </p:nvGraphicFramePr>
+        <p:xfrm>
+          <a:off x="6211375" y="2426851"/>
+          <a:ext cx="4893969" cy="1143000"/>
+        </p:xfrm>
+        <a:graphic>
+          <a:graphicData uri="http://schemas.openxmlformats.org/drawingml/2006/table">
+            <a:tbl>
+              <a:tblPr firstRow="1" firstCol="1" bandRow="1">
+                <a:tableStyleId>{5C22544A-7EE6-4342-B048-85BDC9FD1C3A}</a:tableStyleId>
+              </a:tblPr>
+              <a:tblGrid>
+                <a:gridCol w="1223103"/>
+                <a:gridCol w="1223622"/>
+                <a:gridCol w="1223622"/>
+                <a:gridCol w="1223622"/>
+              </a:tblGrid>
+              <a:tr h="457200">
+                <a:tc>
+                  <a:txBody>
+                    <a:bodyPr/>
+                    <a:lstStyle/>
+                    <a:p>
+                      <a:pPr algn="ctr">
+                        <a:lnSpc>
+                          <a:spcPct val="150000"/>
+                        </a:lnSpc>
+                        <a:spcAft>
+                          <a:spcPts val="0"/>
+                        </a:spcAft>
+                      </a:pPr>
+                      <a:r>
+                        <a:rPr lang="pt-BR" sz="1000" dirty="0">
+                          <a:effectLst/>
+                        </a:rPr>
+                        <a:t>Distância Euclidiana </a:t>
+                      </a:r>
+                      <a:endParaRPr lang="pt-BR" sz="900" dirty="0">
+                        <a:effectLst/>
+                        <a:latin typeface="Times New Roman" panose="02020603050405020304" pitchFamily="18" charset="0"/>
+                        <a:ea typeface="Times New Roman" panose="02020603050405020304" pitchFamily="18" charset="0"/>
+                        <a:cs typeface="Times New Roman" panose="02020603050405020304" pitchFamily="18" charset="0"/>
+                      </a:endParaRPr>
+                    </a:p>
+                  </a:txBody>
+                  <a:tcPr marL="56258" marR="56258" marT="0" marB="0" anchor="ctr"/>
+                </a:tc>
+                <a:tc>
+                  <a:txBody>
+                    <a:bodyPr/>
+                    <a:lstStyle/>
+                    <a:p>
+                      <a:pPr algn="ctr">
+                        <a:lnSpc>
+                          <a:spcPct val="150000"/>
+                        </a:lnSpc>
+                        <a:spcAft>
+                          <a:spcPts val="0"/>
+                        </a:spcAft>
+                      </a:pPr>
+                      <a:r>
+                        <a:rPr lang="pt-BR" sz="1000">
+                          <a:effectLst/>
+                        </a:rPr>
+                        <a:t>Distância Manhattan</a:t>
+                      </a:r>
+                      <a:endParaRPr lang="pt-BR" sz="900">
+                        <a:effectLst/>
+                        <a:latin typeface="Times New Roman" panose="02020603050405020304" pitchFamily="18" charset="0"/>
+                        <a:ea typeface="Times New Roman" panose="02020603050405020304" pitchFamily="18" charset="0"/>
+                        <a:cs typeface="Times New Roman" panose="02020603050405020304" pitchFamily="18" charset="0"/>
+                      </a:endParaRPr>
+                    </a:p>
+                  </a:txBody>
+                  <a:tcPr marL="56258" marR="56258" marT="0" marB="0" anchor="ctr"/>
+                </a:tc>
+                <a:tc>
+                  <a:txBody>
+                    <a:bodyPr/>
+                    <a:lstStyle/>
+                    <a:p>
+                      <a:pPr algn="ctr">
+                        <a:lnSpc>
+                          <a:spcPct val="150000"/>
+                        </a:lnSpc>
+                        <a:spcAft>
+                          <a:spcPts val="0"/>
+                        </a:spcAft>
+                      </a:pPr>
+                      <a:r>
+                        <a:rPr lang="pt-BR" sz="1000">
+                          <a:effectLst/>
+                        </a:rPr>
+                        <a:t>Distância Manhattan Ponderada</a:t>
+                      </a:r>
+                      <a:endParaRPr lang="pt-BR" sz="900">
+                        <a:effectLst/>
+                        <a:latin typeface="Times New Roman" panose="02020603050405020304" pitchFamily="18" charset="0"/>
+                        <a:ea typeface="Times New Roman" panose="02020603050405020304" pitchFamily="18" charset="0"/>
+                        <a:cs typeface="Times New Roman" panose="02020603050405020304" pitchFamily="18" charset="0"/>
+                      </a:endParaRPr>
+                    </a:p>
+                  </a:txBody>
+                  <a:tcPr marL="56258" marR="56258" marT="0" marB="0" anchor="ctr"/>
+                </a:tc>
+                <a:tc>
+                  <a:txBody>
+                    <a:bodyPr/>
+                    <a:lstStyle/>
+                    <a:p>
+                      <a:pPr algn="ctr">
+                        <a:lnSpc>
+                          <a:spcPct val="150000"/>
+                        </a:lnSpc>
+                        <a:spcAft>
+                          <a:spcPts val="0"/>
+                        </a:spcAft>
+                      </a:pPr>
+                      <a:r>
+                        <a:rPr lang="pt-BR" sz="1000">
+                          <a:effectLst/>
+                        </a:rPr>
+                        <a:t>Distância Euclidiana Ponderada</a:t>
+                      </a:r>
+                      <a:endParaRPr lang="pt-BR" sz="900">
+                        <a:effectLst/>
+                        <a:latin typeface="Times New Roman" panose="02020603050405020304" pitchFamily="18" charset="0"/>
+                        <a:ea typeface="Times New Roman" panose="02020603050405020304" pitchFamily="18" charset="0"/>
+                        <a:cs typeface="Times New Roman" panose="02020603050405020304" pitchFamily="18" charset="0"/>
+                      </a:endParaRPr>
+                    </a:p>
+                  </a:txBody>
+                  <a:tcPr marL="56258" marR="56258" marT="0" marB="0" anchor="ctr"/>
+                </a:tc>
+              </a:tr>
+              <a:tr h="228600">
+                <a:tc>
+                  <a:txBody>
+                    <a:bodyPr/>
+                    <a:lstStyle/>
+                    <a:p>
+                      <a:pPr algn="ctr">
+                        <a:lnSpc>
+                          <a:spcPct val="150000"/>
+                        </a:lnSpc>
+                        <a:spcAft>
+                          <a:spcPts val="0"/>
+                        </a:spcAft>
+                      </a:pPr>
+                      <a:r>
+                        <a:rPr lang="pt-BR" sz="1000" b="0" dirty="0">
+                          <a:solidFill>
+                            <a:schemeClr val="tx1"/>
+                          </a:solidFill>
+                          <a:effectLst/>
+                        </a:rPr>
+                        <a:t>20% em 6259 ms</a:t>
+                      </a:r>
+                      <a:endParaRPr lang="pt-BR" sz="900" b="0" dirty="0">
+                        <a:solidFill>
+                          <a:schemeClr val="tx1"/>
+                        </a:solidFill>
+                        <a:effectLst/>
+                        <a:latin typeface="Times New Roman" panose="02020603050405020304" pitchFamily="18" charset="0"/>
+                        <a:ea typeface="Times New Roman" panose="02020603050405020304" pitchFamily="18" charset="0"/>
+                        <a:cs typeface="Times New Roman" panose="02020603050405020304" pitchFamily="18" charset="0"/>
+                      </a:endParaRPr>
+                    </a:p>
+                  </a:txBody>
+                  <a:tcPr marL="56258" marR="56258" marT="0" marB="0" anchor="ctr">
+                    <a:solidFill>
+                      <a:schemeClr val="accent1">
+                        <a:tint val="40000"/>
+                      </a:schemeClr>
+                    </a:solidFill>
+                  </a:tcPr>
+                </a:tc>
+                <a:tc>
+                  <a:txBody>
+                    <a:bodyPr/>
+                    <a:lstStyle/>
+                    <a:p>
+                      <a:pPr algn="ctr">
+                        <a:lnSpc>
+                          <a:spcPct val="150000"/>
+                        </a:lnSpc>
+                        <a:spcAft>
+                          <a:spcPts val="0"/>
+                        </a:spcAft>
+                      </a:pPr>
+                      <a:r>
+                        <a:rPr lang="pt-BR" sz="1000">
+                          <a:solidFill>
+                            <a:schemeClr val="tx1"/>
+                          </a:solidFill>
+                          <a:effectLst/>
+                        </a:rPr>
+                        <a:t>11% em 6847 ms</a:t>
+                      </a:r>
+                      <a:endParaRPr lang="pt-BR" sz="900">
+                        <a:solidFill>
+                          <a:schemeClr val="tx1"/>
+                        </a:solidFill>
+                        <a:effectLst/>
+                        <a:latin typeface="Times New Roman" panose="02020603050405020304" pitchFamily="18" charset="0"/>
+                        <a:ea typeface="Times New Roman" panose="02020603050405020304" pitchFamily="18" charset="0"/>
+                        <a:cs typeface="Times New Roman" panose="02020603050405020304" pitchFamily="18" charset="0"/>
+                      </a:endParaRPr>
+                    </a:p>
+                  </a:txBody>
+                  <a:tcPr marL="56258" marR="56258" marT="0" marB="0" anchor="ctr">
+                    <a:solidFill>
+                      <a:schemeClr val="accent1">
+                        <a:tint val="40000"/>
+                      </a:schemeClr>
+                    </a:solidFill>
+                  </a:tcPr>
+                </a:tc>
+                <a:tc>
+                  <a:txBody>
+                    <a:bodyPr/>
+                    <a:lstStyle/>
+                    <a:p>
+                      <a:pPr algn="ctr">
+                        <a:lnSpc>
+                          <a:spcPct val="150000"/>
+                        </a:lnSpc>
+                        <a:spcAft>
+                          <a:spcPts val="0"/>
+                        </a:spcAft>
+                      </a:pPr>
+                      <a:r>
+                        <a:rPr lang="pt-BR" sz="1000">
+                          <a:solidFill>
+                            <a:schemeClr val="tx1"/>
+                          </a:solidFill>
+                          <a:effectLst/>
+                        </a:rPr>
+                        <a:t>11% em 10678 ms</a:t>
+                      </a:r>
+                      <a:endParaRPr lang="pt-BR" sz="900">
+                        <a:solidFill>
+                          <a:schemeClr val="tx1"/>
+                        </a:solidFill>
+                        <a:effectLst/>
+                        <a:latin typeface="Times New Roman" panose="02020603050405020304" pitchFamily="18" charset="0"/>
+                        <a:ea typeface="Times New Roman" panose="02020603050405020304" pitchFamily="18" charset="0"/>
+                        <a:cs typeface="Times New Roman" panose="02020603050405020304" pitchFamily="18" charset="0"/>
+                      </a:endParaRPr>
+                    </a:p>
+                  </a:txBody>
+                  <a:tcPr marL="56258" marR="56258" marT="0" marB="0" anchor="ctr">
+                    <a:solidFill>
+                      <a:schemeClr val="accent1">
+                        <a:tint val="40000"/>
+                      </a:schemeClr>
+                    </a:solidFill>
+                  </a:tcPr>
+                </a:tc>
+                <a:tc>
+                  <a:txBody>
+                    <a:bodyPr/>
+                    <a:lstStyle/>
+                    <a:p>
+                      <a:pPr algn="ctr">
+                        <a:lnSpc>
+                          <a:spcPct val="150000"/>
+                        </a:lnSpc>
+                        <a:spcAft>
+                          <a:spcPts val="0"/>
+                        </a:spcAft>
+                      </a:pPr>
+                      <a:r>
+                        <a:rPr lang="pt-BR" sz="1000">
+                          <a:solidFill>
+                            <a:schemeClr val="tx1"/>
+                          </a:solidFill>
+                          <a:effectLst/>
+                        </a:rPr>
+                        <a:t>20% em 12571 ms</a:t>
+                      </a:r>
+                      <a:endParaRPr lang="pt-BR" sz="900">
+                        <a:solidFill>
+                          <a:schemeClr val="tx1"/>
+                        </a:solidFill>
+                        <a:effectLst/>
+                        <a:latin typeface="Times New Roman" panose="02020603050405020304" pitchFamily="18" charset="0"/>
+                        <a:ea typeface="Times New Roman" panose="02020603050405020304" pitchFamily="18" charset="0"/>
+                        <a:cs typeface="Times New Roman" panose="02020603050405020304" pitchFamily="18" charset="0"/>
+                      </a:endParaRPr>
+                    </a:p>
+                  </a:txBody>
+                  <a:tcPr marL="56258" marR="56258" marT="0" marB="0" anchor="ctr">
+                    <a:solidFill>
+                      <a:schemeClr val="accent1">
+                        <a:tint val="40000"/>
+                      </a:schemeClr>
+                    </a:solidFill>
+                  </a:tcPr>
+                </a:tc>
+              </a:tr>
+              <a:tr h="228600">
+                <a:tc>
+                  <a:txBody>
+                    <a:bodyPr/>
+                    <a:lstStyle/>
+                    <a:p>
+                      <a:pPr algn="ctr">
+                        <a:lnSpc>
+                          <a:spcPct val="150000"/>
+                        </a:lnSpc>
+                        <a:spcAft>
+                          <a:spcPts val="0"/>
+                        </a:spcAft>
+                      </a:pPr>
+                      <a:r>
+                        <a:rPr lang="pt-BR" sz="1000" b="0" dirty="0">
+                          <a:solidFill>
+                            <a:schemeClr val="tx1"/>
+                          </a:solidFill>
+                          <a:effectLst/>
+                        </a:rPr>
+                        <a:t>20% em 6286 ms</a:t>
+                      </a:r>
+                      <a:endParaRPr lang="pt-BR" sz="900" b="0" dirty="0">
+                        <a:solidFill>
+                          <a:schemeClr val="tx1"/>
+                        </a:solidFill>
+                        <a:effectLst/>
+                        <a:latin typeface="Times New Roman" panose="02020603050405020304" pitchFamily="18" charset="0"/>
+                        <a:ea typeface="Times New Roman" panose="02020603050405020304" pitchFamily="18" charset="0"/>
+                        <a:cs typeface="Times New Roman" panose="02020603050405020304" pitchFamily="18" charset="0"/>
+                      </a:endParaRPr>
+                    </a:p>
+                  </a:txBody>
+                  <a:tcPr marL="56258" marR="56258" marT="0" marB="0" anchor="ctr">
+                    <a:solidFill>
+                      <a:schemeClr val="accent1">
+                        <a:tint val="40000"/>
+                      </a:schemeClr>
+                    </a:solidFill>
+                  </a:tcPr>
+                </a:tc>
+                <a:tc>
+                  <a:txBody>
+                    <a:bodyPr/>
+                    <a:lstStyle/>
+                    <a:p>
+                      <a:pPr algn="ctr">
+                        <a:lnSpc>
+                          <a:spcPct val="150000"/>
+                        </a:lnSpc>
+                        <a:spcAft>
+                          <a:spcPts val="0"/>
+                        </a:spcAft>
+                      </a:pPr>
+                      <a:r>
+                        <a:rPr lang="pt-BR" sz="1000" dirty="0">
+                          <a:solidFill>
+                            <a:schemeClr val="tx1"/>
+                          </a:solidFill>
+                          <a:effectLst/>
+                        </a:rPr>
+                        <a:t>11% em 6765 ms</a:t>
+                      </a:r>
+                      <a:endParaRPr lang="pt-BR" sz="900" dirty="0">
+                        <a:solidFill>
+                          <a:schemeClr val="tx1"/>
+                        </a:solidFill>
+                        <a:effectLst/>
+                        <a:latin typeface="Times New Roman" panose="02020603050405020304" pitchFamily="18" charset="0"/>
+                        <a:ea typeface="Times New Roman" panose="02020603050405020304" pitchFamily="18" charset="0"/>
+                        <a:cs typeface="Times New Roman" panose="02020603050405020304" pitchFamily="18" charset="0"/>
+                      </a:endParaRPr>
+                    </a:p>
+                  </a:txBody>
+                  <a:tcPr marL="56258" marR="56258" marT="0" marB="0" anchor="ctr">
+                    <a:solidFill>
+                      <a:schemeClr val="accent1">
+                        <a:tint val="40000"/>
+                      </a:schemeClr>
+                    </a:solidFill>
+                  </a:tcPr>
+                </a:tc>
+                <a:tc>
+                  <a:txBody>
+                    <a:bodyPr/>
+                    <a:lstStyle/>
+                    <a:p>
+                      <a:pPr algn="ctr">
+                        <a:lnSpc>
+                          <a:spcPct val="150000"/>
+                        </a:lnSpc>
+                        <a:spcAft>
+                          <a:spcPts val="0"/>
+                        </a:spcAft>
+                      </a:pPr>
+                      <a:r>
+                        <a:rPr lang="pt-BR" sz="1000" dirty="0">
+                          <a:solidFill>
+                            <a:schemeClr val="tx1"/>
+                          </a:solidFill>
+                          <a:effectLst/>
+                        </a:rPr>
+                        <a:t>11% em 12210 ms</a:t>
+                      </a:r>
+                      <a:endParaRPr lang="pt-BR" sz="900" dirty="0">
+                        <a:solidFill>
+                          <a:schemeClr val="tx1"/>
+                        </a:solidFill>
+                        <a:effectLst/>
+                        <a:latin typeface="Times New Roman" panose="02020603050405020304" pitchFamily="18" charset="0"/>
+                        <a:ea typeface="Times New Roman" panose="02020603050405020304" pitchFamily="18" charset="0"/>
+                        <a:cs typeface="Times New Roman" panose="02020603050405020304" pitchFamily="18" charset="0"/>
+                      </a:endParaRPr>
+                    </a:p>
+                  </a:txBody>
+                  <a:tcPr marL="56258" marR="56258" marT="0" marB="0" anchor="ctr">
+                    <a:solidFill>
+                      <a:schemeClr val="accent1">
+                        <a:tint val="40000"/>
+                      </a:schemeClr>
+                    </a:solidFill>
+                  </a:tcPr>
+                </a:tc>
+                <a:tc>
+                  <a:txBody>
+                    <a:bodyPr/>
+                    <a:lstStyle/>
+                    <a:p>
+                      <a:pPr algn="ctr">
+                        <a:lnSpc>
+                          <a:spcPct val="150000"/>
+                        </a:lnSpc>
+                        <a:spcAft>
+                          <a:spcPts val="0"/>
+                        </a:spcAft>
+                      </a:pPr>
+                      <a:r>
+                        <a:rPr lang="pt-BR" sz="1000">
+                          <a:solidFill>
+                            <a:schemeClr val="tx1"/>
+                          </a:solidFill>
+                          <a:effectLst/>
+                        </a:rPr>
+                        <a:t>20% em 12585 ms</a:t>
+                      </a:r>
+                      <a:endParaRPr lang="pt-BR" sz="900">
+                        <a:solidFill>
+                          <a:schemeClr val="tx1"/>
+                        </a:solidFill>
+                        <a:effectLst/>
+                        <a:latin typeface="Times New Roman" panose="02020603050405020304" pitchFamily="18" charset="0"/>
+                        <a:ea typeface="Times New Roman" panose="02020603050405020304" pitchFamily="18" charset="0"/>
+                        <a:cs typeface="Times New Roman" panose="02020603050405020304" pitchFamily="18" charset="0"/>
+                      </a:endParaRPr>
+                    </a:p>
+                  </a:txBody>
+                  <a:tcPr marL="56258" marR="56258" marT="0" marB="0" anchor="ctr">
+                    <a:solidFill>
+                      <a:schemeClr val="accent1">
+                        <a:tint val="40000"/>
+                      </a:schemeClr>
+                    </a:solidFill>
+                  </a:tcPr>
+                </a:tc>
+              </a:tr>
+              <a:tr h="228600">
+                <a:tc>
+                  <a:txBody>
+                    <a:bodyPr/>
+                    <a:lstStyle/>
+                    <a:p>
+                      <a:pPr algn="ctr">
+                        <a:lnSpc>
+                          <a:spcPct val="150000"/>
+                        </a:lnSpc>
+                        <a:spcAft>
+                          <a:spcPts val="0"/>
+                        </a:spcAft>
+                      </a:pPr>
+                      <a:r>
+                        <a:rPr lang="pt-BR" sz="1000" b="0" dirty="0">
+                          <a:solidFill>
+                            <a:schemeClr val="tx1"/>
+                          </a:solidFill>
+                          <a:effectLst/>
+                        </a:rPr>
+                        <a:t>20% em 6195 ms</a:t>
+                      </a:r>
+                      <a:endParaRPr lang="pt-BR" sz="900" b="0" dirty="0">
+                        <a:solidFill>
+                          <a:schemeClr val="tx1"/>
+                        </a:solidFill>
+                        <a:effectLst/>
+                        <a:latin typeface="Times New Roman" panose="02020603050405020304" pitchFamily="18" charset="0"/>
+                        <a:ea typeface="Times New Roman" panose="02020603050405020304" pitchFamily="18" charset="0"/>
+                        <a:cs typeface="Times New Roman" panose="02020603050405020304" pitchFamily="18" charset="0"/>
+                      </a:endParaRPr>
+                    </a:p>
+                  </a:txBody>
+                  <a:tcPr marL="56258" marR="56258" marT="0" marB="0" anchor="ctr">
+                    <a:solidFill>
+                      <a:schemeClr val="accent1">
+                        <a:tint val="40000"/>
+                      </a:schemeClr>
+                    </a:solidFill>
+                  </a:tcPr>
+                </a:tc>
+                <a:tc>
+                  <a:txBody>
+                    <a:bodyPr/>
+                    <a:lstStyle/>
+                    <a:p>
+                      <a:pPr algn="ctr">
+                        <a:lnSpc>
+                          <a:spcPct val="150000"/>
+                        </a:lnSpc>
+                        <a:spcAft>
+                          <a:spcPts val="0"/>
+                        </a:spcAft>
+                      </a:pPr>
+                      <a:r>
+                        <a:rPr lang="pt-BR" sz="1000" dirty="0">
+                          <a:solidFill>
+                            <a:schemeClr val="tx1"/>
+                          </a:solidFill>
+                          <a:effectLst/>
+                        </a:rPr>
+                        <a:t>11% em 7220 ms</a:t>
+                      </a:r>
+                      <a:endParaRPr lang="pt-BR" sz="900" dirty="0">
+                        <a:solidFill>
+                          <a:schemeClr val="tx1"/>
+                        </a:solidFill>
+                        <a:effectLst/>
+                        <a:latin typeface="Times New Roman" panose="02020603050405020304" pitchFamily="18" charset="0"/>
+                        <a:ea typeface="Times New Roman" panose="02020603050405020304" pitchFamily="18" charset="0"/>
+                        <a:cs typeface="Times New Roman" panose="02020603050405020304" pitchFamily="18" charset="0"/>
+                      </a:endParaRPr>
+                    </a:p>
+                  </a:txBody>
+                  <a:tcPr marL="56258" marR="56258" marT="0" marB="0" anchor="ctr">
+                    <a:solidFill>
+                      <a:schemeClr val="accent1">
+                        <a:tint val="40000"/>
+                      </a:schemeClr>
+                    </a:solidFill>
+                  </a:tcPr>
+                </a:tc>
+                <a:tc>
+                  <a:txBody>
+                    <a:bodyPr/>
+                    <a:lstStyle/>
+                    <a:p>
+                      <a:pPr algn="ctr">
+                        <a:lnSpc>
+                          <a:spcPct val="150000"/>
+                        </a:lnSpc>
+                        <a:spcAft>
+                          <a:spcPts val="0"/>
+                        </a:spcAft>
+                      </a:pPr>
+                      <a:r>
+                        <a:rPr lang="pt-BR" sz="1000" dirty="0">
+                          <a:solidFill>
+                            <a:schemeClr val="tx1"/>
+                          </a:solidFill>
+                          <a:effectLst/>
+                        </a:rPr>
+                        <a:t>11% em 11597 ms</a:t>
+                      </a:r>
+                      <a:endParaRPr lang="pt-BR" sz="900" dirty="0">
+                        <a:solidFill>
+                          <a:schemeClr val="tx1"/>
+                        </a:solidFill>
+                        <a:effectLst/>
+                        <a:latin typeface="Times New Roman" panose="02020603050405020304" pitchFamily="18" charset="0"/>
+                        <a:ea typeface="Times New Roman" panose="02020603050405020304" pitchFamily="18" charset="0"/>
+                        <a:cs typeface="Times New Roman" panose="02020603050405020304" pitchFamily="18" charset="0"/>
+                      </a:endParaRPr>
+                    </a:p>
+                  </a:txBody>
+                  <a:tcPr marL="56258" marR="56258" marT="0" marB="0" anchor="ctr">
+                    <a:solidFill>
+                      <a:schemeClr val="accent1">
+                        <a:tint val="40000"/>
+                      </a:schemeClr>
+                    </a:solidFill>
+                  </a:tcPr>
+                </a:tc>
+                <a:tc>
+                  <a:txBody>
+                    <a:bodyPr/>
+                    <a:lstStyle/>
+                    <a:p>
+                      <a:pPr algn="ctr">
+                        <a:lnSpc>
+                          <a:spcPct val="150000"/>
+                        </a:lnSpc>
+                        <a:spcAft>
+                          <a:spcPts val="0"/>
+                        </a:spcAft>
+                      </a:pPr>
+                      <a:r>
+                        <a:rPr lang="pt-BR" sz="1000" dirty="0">
+                          <a:solidFill>
+                            <a:schemeClr val="tx1"/>
+                          </a:solidFill>
+                          <a:effectLst/>
+                        </a:rPr>
+                        <a:t>20% em 12276 ms</a:t>
+                      </a:r>
+                      <a:endParaRPr lang="pt-BR" sz="900" dirty="0">
+                        <a:solidFill>
+                          <a:schemeClr val="tx1"/>
+                        </a:solidFill>
+                        <a:effectLst/>
+                        <a:latin typeface="Times New Roman" panose="02020603050405020304" pitchFamily="18" charset="0"/>
+                        <a:ea typeface="Times New Roman" panose="02020603050405020304" pitchFamily="18" charset="0"/>
+                        <a:cs typeface="Times New Roman" panose="02020603050405020304" pitchFamily="18" charset="0"/>
+                      </a:endParaRPr>
+                    </a:p>
+                  </a:txBody>
+                  <a:tcPr marL="56258" marR="56258" marT="0" marB="0" anchor="ctr">
+                    <a:solidFill>
+                      <a:schemeClr val="accent1">
+                        <a:tint val="40000"/>
+                      </a:schemeClr>
+                    </a:solidFill>
+                  </a:tcPr>
+                </a:tc>
+              </a:tr>
+            </a:tbl>
+          </a:graphicData>
+        </a:graphic>
+      </p:graphicFrame>
+      <p:graphicFrame>
+        <p:nvGraphicFramePr>
+          <p:cNvPr id="12" name="Tabela 11"/>
+          <p:cNvGraphicFramePr>
+            <a:graphicFrameLocks noGrp="1"/>
+          </p:cNvGraphicFramePr>
+          <p:nvPr>
+            <p:extLst>
+              <p:ext uri="{D42A27DB-BD31-4B8C-83A1-F6EECF244321}">
+                <p14:modId xmlns:p14="http://schemas.microsoft.com/office/powerpoint/2010/main" val="448735379"/>
+              </p:ext>
+            </p:extLst>
+          </p:nvPr>
+        </p:nvGraphicFramePr>
+        <p:xfrm>
+          <a:off x="838199" y="5033963"/>
+          <a:ext cx="5124719" cy="1124899"/>
+        </p:xfrm>
+        <a:graphic>
+          <a:graphicData uri="http://schemas.openxmlformats.org/drawingml/2006/table">
+            <a:tbl>
+              <a:tblPr firstRow="1" firstCol="1" bandRow="1">
+                <a:tableStyleId>{5C22544A-7EE6-4342-B048-85BDC9FD1C3A}</a:tableStyleId>
+              </a:tblPr>
+              <a:tblGrid>
+                <a:gridCol w="1280771"/>
+                <a:gridCol w="1281316"/>
+                <a:gridCol w="1281316"/>
+                <a:gridCol w="1281316"/>
+              </a:tblGrid>
+              <a:tr h="446143">
+                <a:tc>
+                  <a:txBody>
+                    <a:bodyPr/>
+                    <a:lstStyle/>
+                    <a:p>
+                      <a:pPr algn="ctr">
+                        <a:lnSpc>
+                          <a:spcPct val="150000"/>
+                        </a:lnSpc>
+                        <a:spcAft>
+                          <a:spcPts val="0"/>
+                        </a:spcAft>
+                      </a:pPr>
+                      <a:r>
+                        <a:rPr lang="pt-BR" sz="1000" dirty="0">
+                          <a:effectLst/>
+                        </a:rPr>
+                        <a:t>Distância Euclidiana </a:t>
+                      </a:r>
+                      <a:endParaRPr lang="pt-BR" sz="900" dirty="0">
+                        <a:effectLst/>
+                        <a:latin typeface="Times New Roman" panose="02020603050405020304" pitchFamily="18" charset="0"/>
+                        <a:ea typeface="Times New Roman" panose="02020603050405020304" pitchFamily="18" charset="0"/>
+                        <a:cs typeface="Times New Roman" panose="02020603050405020304" pitchFamily="18" charset="0"/>
+                      </a:endParaRPr>
+                    </a:p>
+                  </a:txBody>
+                  <a:tcPr marL="58911" marR="58911" marT="0" marB="0" anchor="ctr"/>
+                </a:tc>
+                <a:tc>
+                  <a:txBody>
+                    <a:bodyPr/>
+                    <a:lstStyle/>
+                    <a:p>
+                      <a:pPr algn="ctr">
+                        <a:lnSpc>
+                          <a:spcPct val="150000"/>
+                        </a:lnSpc>
+                        <a:spcAft>
+                          <a:spcPts val="0"/>
+                        </a:spcAft>
+                      </a:pPr>
+                      <a:r>
+                        <a:rPr lang="pt-BR" sz="1000">
+                          <a:effectLst/>
+                        </a:rPr>
+                        <a:t>Distância Manhattan</a:t>
+                      </a:r>
+                      <a:endParaRPr lang="pt-BR" sz="900">
+                        <a:effectLst/>
+                        <a:latin typeface="Times New Roman" panose="02020603050405020304" pitchFamily="18" charset="0"/>
+                        <a:ea typeface="Times New Roman" panose="02020603050405020304" pitchFamily="18" charset="0"/>
+                        <a:cs typeface="Times New Roman" panose="02020603050405020304" pitchFamily="18" charset="0"/>
+                      </a:endParaRPr>
+                    </a:p>
+                  </a:txBody>
+                  <a:tcPr marL="58911" marR="58911" marT="0" marB="0" anchor="ctr"/>
+                </a:tc>
+                <a:tc>
+                  <a:txBody>
+                    <a:bodyPr/>
+                    <a:lstStyle/>
+                    <a:p>
+                      <a:pPr algn="ctr">
+                        <a:lnSpc>
+                          <a:spcPct val="150000"/>
+                        </a:lnSpc>
+                        <a:spcAft>
+                          <a:spcPts val="0"/>
+                        </a:spcAft>
+                      </a:pPr>
+                      <a:r>
+                        <a:rPr lang="pt-BR" sz="1000">
+                          <a:effectLst/>
+                        </a:rPr>
+                        <a:t>Distância Manhattan Ponderada</a:t>
+                      </a:r>
+                      <a:endParaRPr lang="pt-BR" sz="900">
+                        <a:effectLst/>
+                        <a:latin typeface="Times New Roman" panose="02020603050405020304" pitchFamily="18" charset="0"/>
+                        <a:ea typeface="Times New Roman" panose="02020603050405020304" pitchFamily="18" charset="0"/>
+                        <a:cs typeface="Times New Roman" panose="02020603050405020304" pitchFamily="18" charset="0"/>
+                      </a:endParaRPr>
+                    </a:p>
+                  </a:txBody>
+                  <a:tcPr marL="58911" marR="58911" marT="0" marB="0" anchor="ctr"/>
+                </a:tc>
+                <a:tc>
+                  <a:txBody>
+                    <a:bodyPr/>
+                    <a:lstStyle/>
+                    <a:p>
+                      <a:pPr algn="ctr">
+                        <a:lnSpc>
+                          <a:spcPct val="150000"/>
+                        </a:lnSpc>
+                        <a:spcAft>
+                          <a:spcPts val="0"/>
+                        </a:spcAft>
+                      </a:pPr>
+                      <a:r>
+                        <a:rPr lang="pt-BR" sz="1000">
+                          <a:effectLst/>
+                        </a:rPr>
+                        <a:t>Distância Euclidiana Ponderada</a:t>
+                      </a:r>
+                      <a:endParaRPr lang="pt-BR" sz="900">
+                        <a:effectLst/>
+                        <a:latin typeface="Times New Roman" panose="02020603050405020304" pitchFamily="18" charset="0"/>
+                        <a:ea typeface="Times New Roman" panose="02020603050405020304" pitchFamily="18" charset="0"/>
+                        <a:cs typeface="Times New Roman" panose="02020603050405020304" pitchFamily="18" charset="0"/>
+                      </a:endParaRPr>
+                    </a:p>
+                  </a:txBody>
+                  <a:tcPr marL="58911" marR="58911" marT="0" marB="0" anchor="ctr"/>
+                </a:tc>
+              </a:tr>
+              <a:tr h="210499">
+                <a:tc>
+                  <a:txBody>
+                    <a:bodyPr/>
+                    <a:lstStyle/>
+                    <a:p>
+                      <a:pPr algn="ctr">
+                        <a:lnSpc>
+                          <a:spcPct val="150000"/>
+                        </a:lnSpc>
+                        <a:spcAft>
+                          <a:spcPts val="0"/>
+                        </a:spcAft>
+                      </a:pPr>
+                      <a:r>
+                        <a:rPr lang="pt-BR" sz="1000" b="0" dirty="0">
+                          <a:solidFill>
+                            <a:schemeClr val="tx1"/>
+                          </a:solidFill>
+                          <a:effectLst/>
+                        </a:rPr>
+                        <a:t>100% em 4328 ms</a:t>
+                      </a:r>
+                      <a:endParaRPr lang="pt-BR" sz="900" b="0" dirty="0">
+                        <a:solidFill>
+                          <a:schemeClr val="tx1"/>
+                        </a:solidFill>
+                        <a:effectLst/>
+                        <a:latin typeface="Times New Roman" panose="02020603050405020304" pitchFamily="18" charset="0"/>
+                        <a:ea typeface="Times New Roman" panose="02020603050405020304" pitchFamily="18" charset="0"/>
+                        <a:cs typeface="Times New Roman" panose="02020603050405020304" pitchFamily="18" charset="0"/>
+                      </a:endParaRPr>
+                    </a:p>
+                  </a:txBody>
+                  <a:tcPr marL="58911" marR="58911" marT="0" marB="0" anchor="ctr">
+                    <a:solidFill>
+                      <a:schemeClr val="accent1">
+                        <a:tint val="40000"/>
+                      </a:schemeClr>
+                    </a:solidFill>
+                  </a:tcPr>
+                </a:tc>
+                <a:tc>
+                  <a:txBody>
+                    <a:bodyPr/>
+                    <a:lstStyle/>
+                    <a:p>
+                      <a:pPr algn="ctr">
+                        <a:lnSpc>
+                          <a:spcPct val="150000"/>
+                        </a:lnSpc>
+                        <a:spcAft>
+                          <a:spcPts val="0"/>
+                        </a:spcAft>
+                      </a:pPr>
+                      <a:r>
+                        <a:rPr lang="pt-BR" sz="1000">
+                          <a:effectLst/>
+                        </a:rPr>
+                        <a:t>11% em 6990 ms</a:t>
+                      </a:r>
+                      <a:endParaRPr lang="pt-BR" sz="900">
+                        <a:effectLst/>
+                        <a:latin typeface="Times New Roman" panose="02020603050405020304" pitchFamily="18" charset="0"/>
+                        <a:ea typeface="Times New Roman" panose="02020603050405020304" pitchFamily="18" charset="0"/>
+                        <a:cs typeface="Times New Roman" panose="02020603050405020304" pitchFamily="18" charset="0"/>
+                      </a:endParaRPr>
+                    </a:p>
+                  </a:txBody>
+                  <a:tcPr marL="58911" marR="58911" marT="0" marB="0" anchor="ctr">
+                    <a:solidFill>
+                      <a:schemeClr val="accent1">
+                        <a:tint val="40000"/>
+                      </a:schemeClr>
+                    </a:solidFill>
+                  </a:tcPr>
+                </a:tc>
+                <a:tc>
+                  <a:txBody>
+                    <a:bodyPr/>
+                    <a:lstStyle/>
+                    <a:p>
+                      <a:pPr algn="ctr">
+                        <a:lnSpc>
+                          <a:spcPct val="150000"/>
+                        </a:lnSpc>
+                        <a:spcAft>
+                          <a:spcPts val="0"/>
+                        </a:spcAft>
+                      </a:pPr>
+                      <a:r>
+                        <a:rPr lang="pt-BR" sz="1000">
+                          <a:effectLst/>
+                        </a:rPr>
+                        <a:t>11% em 7005 ms</a:t>
+                      </a:r>
+                      <a:endParaRPr lang="pt-BR" sz="900">
+                        <a:effectLst/>
+                        <a:latin typeface="Times New Roman" panose="02020603050405020304" pitchFamily="18" charset="0"/>
+                        <a:ea typeface="Times New Roman" panose="02020603050405020304" pitchFamily="18" charset="0"/>
+                        <a:cs typeface="Times New Roman" panose="02020603050405020304" pitchFamily="18" charset="0"/>
+                      </a:endParaRPr>
+                    </a:p>
+                  </a:txBody>
+                  <a:tcPr marL="58911" marR="58911" marT="0" marB="0" anchor="ctr">
+                    <a:solidFill>
+                      <a:schemeClr val="accent1">
+                        <a:tint val="40000"/>
+                      </a:schemeClr>
+                    </a:solidFill>
+                  </a:tcPr>
+                </a:tc>
+                <a:tc>
+                  <a:txBody>
+                    <a:bodyPr/>
+                    <a:lstStyle/>
+                    <a:p>
+                      <a:pPr algn="ctr">
+                        <a:lnSpc>
+                          <a:spcPct val="150000"/>
+                        </a:lnSpc>
+                        <a:spcAft>
+                          <a:spcPts val="0"/>
+                        </a:spcAft>
+                      </a:pPr>
+                      <a:r>
+                        <a:rPr lang="pt-BR" sz="1000">
+                          <a:effectLst/>
+                        </a:rPr>
+                        <a:t>0% em 10200 ms</a:t>
+                      </a:r>
+                      <a:endParaRPr lang="pt-BR" sz="900">
+                        <a:effectLst/>
+                        <a:latin typeface="Times New Roman" panose="02020603050405020304" pitchFamily="18" charset="0"/>
+                        <a:ea typeface="Times New Roman" panose="02020603050405020304" pitchFamily="18" charset="0"/>
+                        <a:cs typeface="Times New Roman" panose="02020603050405020304" pitchFamily="18" charset="0"/>
+                      </a:endParaRPr>
+                    </a:p>
+                  </a:txBody>
+                  <a:tcPr marL="58911" marR="58911" marT="0" marB="0" anchor="ctr">
+                    <a:solidFill>
+                      <a:schemeClr val="accent1">
+                        <a:tint val="40000"/>
+                      </a:schemeClr>
+                    </a:solidFill>
+                  </a:tcPr>
+                </a:tc>
+              </a:tr>
+              <a:tr h="210499">
+                <a:tc>
+                  <a:txBody>
+                    <a:bodyPr/>
+                    <a:lstStyle/>
+                    <a:p>
+                      <a:pPr algn="ctr">
+                        <a:lnSpc>
+                          <a:spcPct val="150000"/>
+                        </a:lnSpc>
+                        <a:spcAft>
+                          <a:spcPts val="0"/>
+                        </a:spcAft>
+                      </a:pPr>
+                      <a:r>
+                        <a:rPr lang="pt-BR" sz="1000" b="0" dirty="0">
+                          <a:solidFill>
+                            <a:schemeClr val="tx1"/>
+                          </a:solidFill>
+                          <a:effectLst/>
+                        </a:rPr>
+                        <a:t>100% em 4284 ms</a:t>
+                      </a:r>
+                      <a:endParaRPr lang="pt-BR" sz="900" b="0" dirty="0">
+                        <a:solidFill>
+                          <a:schemeClr val="tx1"/>
+                        </a:solidFill>
+                        <a:effectLst/>
+                        <a:latin typeface="Times New Roman" panose="02020603050405020304" pitchFamily="18" charset="0"/>
+                        <a:ea typeface="Times New Roman" panose="02020603050405020304" pitchFamily="18" charset="0"/>
+                        <a:cs typeface="Times New Roman" panose="02020603050405020304" pitchFamily="18" charset="0"/>
+                      </a:endParaRPr>
+                    </a:p>
+                  </a:txBody>
+                  <a:tcPr marL="58911" marR="58911" marT="0" marB="0" anchor="ctr">
+                    <a:solidFill>
+                      <a:schemeClr val="accent1">
+                        <a:tint val="40000"/>
+                      </a:schemeClr>
+                    </a:solidFill>
+                  </a:tcPr>
+                </a:tc>
+                <a:tc>
+                  <a:txBody>
+                    <a:bodyPr/>
+                    <a:lstStyle/>
+                    <a:p>
+                      <a:pPr algn="ctr">
+                        <a:lnSpc>
+                          <a:spcPct val="150000"/>
+                        </a:lnSpc>
+                        <a:spcAft>
+                          <a:spcPts val="0"/>
+                        </a:spcAft>
+                      </a:pPr>
+                      <a:r>
+                        <a:rPr lang="pt-BR" sz="1000" dirty="0">
+                          <a:effectLst/>
+                        </a:rPr>
+                        <a:t>11% em 7125 ms</a:t>
+                      </a:r>
+                      <a:endParaRPr lang="pt-BR" sz="900" dirty="0">
+                        <a:effectLst/>
+                        <a:latin typeface="Times New Roman" panose="02020603050405020304" pitchFamily="18" charset="0"/>
+                        <a:ea typeface="Times New Roman" panose="02020603050405020304" pitchFamily="18" charset="0"/>
+                        <a:cs typeface="Times New Roman" panose="02020603050405020304" pitchFamily="18" charset="0"/>
+                      </a:endParaRPr>
+                    </a:p>
+                  </a:txBody>
+                  <a:tcPr marL="58911" marR="58911" marT="0" marB="0" anchor="ctr">
+                    <a:solidFill>
+                      <a:schemeClr val="accent1">
+                        <a:tint val="40000"/>
+                      </a:schemeClr>
+                    </a:solidFill>
+                  </a:tcPr>
+                </a:tc>
+                <a:tc>
+                  <a:txBody>
+                    <a:bodyPr/>
+                    <a:lstStyle/>
+                    <a:p>
+                      <a:pPr algn="ctr">
+                        <a:lnSpc>
+                          <a:spcPct val="150000"/>
+                        </a:lnSpc>
+                        <a:spcAft>
+                          <a:spcPts val="0"/>
+                        </a:spcAft>
+                      </a:pPr>
+                      <a:r>
+                        <a:rPr lang="pt-BR" sz="1000" dirty="0">
+                          <a:effectLst/>
+                        </a:rPr>
+                        <a:t>11% em 6717 ms</a:t>
+                      </a:r>
+                      <a:endParaRPr lang="pt-BR" sz="900" dirty="0">
+                        <a:effectLst/>
+                        <a:latin typeface="Times New Roman" panose="02020603050405020304" pitchFamily="18" charset="0"/>
+                        <a:ea typeface="Times New Roman" panose="02020603050405020304" pitchFamily="18" charset="0"/>
+                        <a:cs typeface="Times New Roman" panose="02020603050405020304" pitchFamily="18" charset="0"/>
+                      </a:endParaRPr>
+                    </a:p>
+                  </a:txBody>
+                  <a:tcPr marL="58911" marR="58911" marT="0" marB="0" anchor="ctr">
+                    <a:solidFill>
+                      <a:schemeClr val="accent1">
+                        <a:tint val="40000"/>
+                      </a:schemeClr>
+                    </a:solidFill>
+                  </a:tcPr>
+                </a:tc>
+                <a:tc>
+                  <a:txBody>
+                    <a:bodyPr/>
+                    <a:lstStyle/>
+                    <a:p>
+                      <a:pPr algn="ctr">
+                        <a:lnSpc>
+                          <a:spcPct val="150000"/>
+                        </a:lnSpc>
+                        <a:spcAft>
+                          <a:spcPts val="0"/>
+                        </a:spcAft>
+                      </a:pPr>
+                      <a:r>
+                        <a:rPr lang="pt-BR" sz="1000" dirty="0">
+                          <a:effectLst/>
+                        </a:rPr>
+                        <a:t>0% em 12036 ms</a:t>
+                      </a:r>
+                      <a:endParaRPr lang="pt-BR" sz="900" dirty="0">
+                        <a:effectLst/>
+                        <a:latin typeface="Times New Roman" panose="02020603050405020304" pitchFamily="18" charset="0"/>
+                        <a:ea typeface="Times New Roman" panose="02020603050405020304" pitchFamily="18" charset="0"/>
+                        <a:cs typeface="Times New Roman" panose="02020603050405020304" pitchFamily="18" charset="0"/>
+                      </a:endParaRPr>
+                    </a:p>
+                  </a:txBody>
+                  <a:tcPr marL="58911" marR="58911" marT="0" marB="0" anchor="ctr">
+                    <a:solidFill>
+                      <a:schemeClr val="accent1">
+                        <a:tint val="40000"/>
+                      </a:schemeClr>
+                    </a:solidFill>
+                  </a:tcPr>
+                </a:tc>
+              </a:tr>
+              <a:tr h="210499">
+                <a:tc>
+                  <a:txBody>
+                    <a:bodyPr/>
+                    <a:lstStyle/>
+                    <a:p>
+                      <a:pPr algn="ctr">
+                        <a:lnSpc>
+                          <a:spcPct val="150000"/>
+                        </a:lnSpc>
+                        <a:spcAft>
+                          <a:spcPts val="0"/>
+                        </a:spcAft>
+                      </a:pPr>
+                      <a:r>
+                        <a:rPr lang="pt-BR" sz="1000" b="0" dirty="0">
+                          <a:solidFill>
+                            <a:schemeClr val="tx1"/>
+                          </a:solidFill>
+                          <a:effectLst/>
+                        </a:rPr>
+                        <a:t>100% em 4310 ms</a:t>
+                      </a:r>
+                      <a:endParaRPr lang="pt-BR" sz="900" b="0" dirty="0">
+                        <a:solidFill>
+                          <a:schemeClr val="tx1"/>
+                        </a:solidFill>
+                        <a:effectLst/>
+                        <a:latin typeface="Times New Roman" panose="02020603050405020304" pitchFamily="18" charset="0"/>
+                        <a:ea typeface="Times New Roman" panose="02020603050405020304" pitchFamily="18" charset="0"/>
+                        <a:cs typeface="Times New Roman" panose="02020603050405020304" pitchFamily="18" charset="0"/>
+                      </a:endParaRPr>
+                    </a:p>
+                  </a:txBody>
+                  <a:tcPr marL="58911" marR="58911" marT="0" marB="0" anchor="ctr">
+                    <a:solidFill>
+                      <a:schemeClr val="accent1">
+                        <a:tint val="40000"/>
+                      </a:schemeClr>
+                    </a:solidFill>
+                  </a:tcPr>
+                </a:tc>
+                <a:tc>
+                  <a:txBody>
+                    <a:bodyPr/>
+                    <a:lstStyle/>
+                    <a:p>
+                      <a:pPr algn="ctr">
+                        <a:lnSpc>
+                          <a:spcPct val="150000"/>
+                        </a:lnSpc>
+                        <a:spcAft>
+                          <a:spcPts val="0"/>
+                        </a:spcAft>
+                      </a:pPr>
+                      <a:r>
+                        <a:rPr lang="pt-BR" sz="1000">
+                          <a:effectLst/>
+                        </a:rPr>
+                        <a:t>11% em 6872 ms</a:t>
+                      </a:r>
+                      <a:endParaRPr lang="pt-BR" sz="900">
+                        <a:effectLst/>
+                        <a:latin typeface="Times New Roman" panose="02020603050405020304" pitchFamily="18" charset="0"/>
+                        <a:ea typeface="Times New Roman" panose="02020603050405020304" pitchFamily="18" charset="0"/>
+                        <a:cs typeface="Times New Roman" panose="02020603050405020304" pitchFamily="18" charset="0"/>
+                      </a:endParaRPr>
+                    </a:p>
+                  </a:txBody>
+                  <a:tcPr marL="58911" marR="58911" marT="0" marB="0" anchor="ctr">
+                    <a:solidFill>
+                      <a:schemeClr val="accent1">
+                        <a:tint val="40000"/>
+                      </a:schemeClr>
+                    </a:solidFill>
+                  </a:tcPr>
+                </a:tc>
+                <a:tc>
+                  <a:txBody>
+                    <a:bodyPr/>
+                    <a:lstStyle/>
+                    <a:p>
+                      <a:pPr algn="ctr">
+                        <a:lnSpc>
+                          <a:spcPct val="150000"/>
+                        </a:lnSpc>
+                        <a:spcAft>
+                          <a:spcPts val="0"/>
+                        </a:spcAft>
+                      </a:pPr>
+                      <a:r>
+                        <a:rPr lang="pt-BR" sz="1000" dirty="0">
+                          <a:effectLst/>
+                        </a:rPr>
+                        <a:t>11% em 6820 ms</a:t>
+                      </a:r>
+                      <a:endParaRPr lang="pt-BR" sz="900" dirty="0">
+                        <a:effectLst/>
+                        <a:latin typeface="Times New Roman" panose="02020603050405020304" pitchFamily="18" charset="0"/>
+                        <a:ea typeface="Times New Roman" panose="02020603050405020304" pitchFamily="18" charset="0"/>
+                        <a:cs typeface="Times New Roman" panose="02020603050405020304" pitchFamily="18" charset="0"/>
+                      </a:endParaRPr>
+                    </a:p>
+                  </a:txBody>
+                  <a:tcPr marL="58911" marR="58911" marT="0" marB="0" anchor="ctr">
+                    <a:solidFill>
+                      <a:schemeClr val="accent1">
+                        <a:tint val="40000"/>
+                      </a:schemeClr>
+                    </a:solidFill>
+                  </a:tcPr>
+                </a:tc>
+                <a:tc>
+                  <a:txBody>
+                    <a:bodyPr/>
+                    <a:lstStyle/>
+                    <a:p>
+                      <a:pPr algn="ctr">
+                        <a:lnSpc>
+                          <a:spcPct val="150000"/>
+                        </a:lnSpc>
+                        <a:spcAft>
+                          <a:spcPts val="0"/>
+                        </a:spcAft>
+                      </a:pPr>
+                      <a:r>
+                        <a:rPr lang="pt-BR" sz="1000" dirty="0">
+                          <a:effectLst/>
+                        </a:rPr>
+                        <a:t>0% em 11219 ms</a:t>
+                      </a:r>
+                      <a:endParaRPr lang="pt-BR" sz="900" dirty="0">
+                        <a:effectLst/>
+                        <a:latin typeface="Times New Roman" panose="02020603050405020304" pitchFamily="18" charset="0"/>
+                        <a:ea typeface="Times New Roman" panose="02020603050405020304" pitchFamily="18" charset="0"/>
+                        <a:cs typeface="Times New Roman" panose="02020603050405020304" pitchFamily="18" charset="0"/>
+                      </a:endParaRPr>
+                    </a:p>
+                  </a:txBody>
+                  <a:tcPr marL="58911" marR="58911" marT="0" marB="0" anchor="ctr">
+                    <a:solidFill>
+                      <a:schemeClr val="accent1">
+                        <a:tint val="40000"/>
+                      </a:schemeClr>
+                    </a:solidFill>
+                  </a:tcPr>
+                </a:tc>
+              </a:tr>
+            </a:tbl>
+          </a:graphicData>
+        </a:graphic>
+      </p:graphicFrame>
+      <p:graphicFrame>
+        <p:nvGraphicFramePr>
+          <p:cNvPr id="14" name="Tabela 13"/>
+          <p:cNvGraphicFramePr>
+            <a:graphicFrameLocks noGrp="1"/>
+          </p:cNvGraphicFramePr>
+          <p:nvPr>
+            <p:extLst>
+              <p:ext uri="{D42A27DB-BD31-4B8C-83A1-F6EECF244321}">
+                <p14:modId xmlns:p14="http://schemas.microsoft.com/office/powerpoint/2010/main" val="556502568"/>
+              </p:ext>
+            </p:extLst>
+          </p:nvPr>
+        </p:nvGraphicFramePr>
+        <p:xfrm>
+          <a:off x="6095999" y="4980641"/>
+          <a:ext cx="5124719" cy="1178221"/>
+        </p:xfrm>
+        <a:graphic>
+          <a:graphicData uri="http://schemas.openxmlformats.org/drawingml/2006/table">
+            <a:tbl>
+              <a:tblPr firstRow="1" firstCol="1" bandRow="1">
+                <a:tableStyleId>{5C22544A-7EE6-4342-B048-85BDC9FD1C3A}</a:tableStyleId>
+              </a:tblPr>
+              <a:tblGrid>
+                <a:gridCol w="1280771"/>
+                <a:gridCol w="1281316"/>
+                <a:gridCol w="1281316"/>
+                <a:gridCol w="1281316"/>
+              </a:tblGrid>
+              <a:tr h="471289">
+                <a:tc>
+                  <a:txBody>
+                    <a:bodyPr/>
+                    <a:lstStyle/>
+                    <a:p>
+                      <a:pPr algn="ctr">
+                        <a:lnSpc>
+                          <a:spcPct val="150000"/>
+                        </a:lnSpc>
+                        <a:spcAft>
+                          <a:spcPts val="0"/>
+                        </a:spcAft>
+                      </a:pPr>
+                      <a:r>
+                        <a:rPr lang="pt-BR" sz="1000" dirty="0">
+                          <a:effectLst/>
+                        </a:rPr>
+                        <a:t>Distância Euclidiana </a:t>
+                      </a:r>
+                      <a:endParaRPr lang="pt-BR" sz="900" dirty="0">
+                        <a:effectLst/>
+                        <a:latin typeface="Times New Roman" panose="02020603050405020304" pitchFamily="18" charset="0"/>
+                        <a:ea typeface="Times New Roman" panose="02020603050405020304" pitchFamily="18" charset="0"/>
+                        <a:cs typeface="Times New Roman" panose="02020603050405020304" pitchFamily="18" charset="0"/>
+                      </a:endParaRPr>
+                    </a:p>
+                  </a:txBody>
+                  <a:tcPr marL="58911" marR="58911" marT="0" marB="0" anchor="ctr"/>
+                </a:tc>
+                <a:tc>
+                  <a:txBody>
+                    <a:bodyPr/>
+                    <a:lstStyle/>
+                    <a:p>
+                      <a:pPr algn="ctr">
+                        <a:lnSpc>
+                          <a:spcPct val="150000"/>
+                        </a:lnSpc>
+                        <a:spcAft>
+                          <a:spcPts val="0"/>
+                        </a:spcAft>
+                      </a:pPr>
+                      <a:r>
+                        <a:rPr lang="pt-BR" sz="1000">
+                          <a:effectLst/>
+                        </a:rPr>
+                        <a:t>Distância Manhattan</a:t>
+                      </a:r>
+                      <a:endParaRPr lang="pt-BR" sz="900">
+                        <a:effectLst/>
+                        <a:latin typeface="Times New Roman" panose="02020603050405020304" pitchFamily="18" charset="0"/>
+                        <a:ea typeface="Times New Roman" panose="02020603050405020304" pitchFamily="18" charset="0"/>
+                        <a:cs typeface="Times New Roman" panose="02020603050405020304" pitchFamily="18" charset="0"/>
+                      </a:endParaRPr>
+                    </a:p>
+                  </a:txBody>
+                  <a:tcPr marL="58911" marR="58911" marT="0" marB="0" anchor="ctr"/>
+                </a:tc>
+                <a:tc>
+                  <a:txBody>
+                    <a:bodyPr/>
+                    <a:lstStyle/>
+                    <a:p>
+                      <a:pPr algn="ctr">
+                        <a:lnSpc>
+                          <a:spcPct val="150000"/>
+                        </a:lnSpc>
+                        <a:spcAft>
+                          <a:spcPts val="0"/>
+                        </a:spcAft>
+                      </a:pPr>
+                      <a:r>
+                        <a:rPr lang="pt-BR" sz="1000" dirty="0">
+                          <a:effectLst/>
+                        </a:rPr>
+                        <a:t>Distância Manhattan Ponderada</a:t>
+                      </a:r>
+                      <a:endParaRPr lang="pt-BR" sz="900" dirty="0">
+                        <a:effectLst/>
+                        <a:latin typeface="Times New Roman" panose="02020603050405020304" pitchFamily="18" charset="0"/>
+                        <a:ea typeface="Times New Roman" panose="02020603050405020304" pitchFamily="18" charset="0"/>
+                        <a:cs typeface="Times New Roman" panose="02020603050405020304" pitchFamily="18" charset="0"/>
+                      </a:endParaRPr>
+                    </a:p>
+                  </a:txBody>
+                  <a:tcPr marL="58911" marR="58911" marT="0" marB="0" anchor="ctr"/>
+                </a:tc>
+                <a:tc>
+                  <a:txBody>
+                    <a:bodyPr/>
+                    <a:lstStyle/>
+                    <a:p>
+                      <a:pPr algn="ctr">
+                        <a:lnSpc>
+                          <a:spcPct val="150000"/>
+                        </a:lnSpc>
+                        <a:spcAft>
+                          <a:spcPts val="0"/>
+                        </a:spcAft>
+                      </a:pPr>
+                      <a:r>
+                        <a:rPr lang="pt-BR" sz="1000">
+                          <a:effectLst/>
+                        </a:rPr>
+                        <a:t>Distância Euclidiana Ponderada</a:t>
+                      </a:r>
+                      <a:endParaRPr lang="pt-BR" sz="900">
+                        <a:effectLst/>
+                        <a:latin typeface="Times New Roman" panose="02020603050405020304" pitchFamily="18" charset="0"/>
+                        <a:ea typeface="Times New Roman" panose="02020603050405020304" pitchFamily="18" charset="0"/>
+                        <a:cs typeface="Times New Roman" panose="02020603050405020304" pitchFamily="18" charset="0"/>
+                      </a:endParaRPr>
+                    </a:p>
+                  </a:txBody>
+                  <a:tcPr marL="58911" marR="58911" marT="0" marB="0" anchor="ctr"/>
+                </a:tc>
+              </a:tr>
+              <a:tr h="235644">
+                <a:tc>
+                  <a:txBody>
+                    <a:bodyPr/>
+                    <a:lstStyle/>
+                    <a:p>
+                      <a:pPr algn="ctr">
+                        <a:lnSpc>
+                          <a:spcPct val="150000"/>
+                        </a:lnSpc>
+                        <a:spcAft>
+                          <a:spcPts val="0"/>
+                        </a:spcAft>
+                      </a:pPr>
+                      <a:r>
+                        <a:rPr lang="pt-BR" sz="1000" b="0">
+                          <a:solidFill>
+                            <a:schemeClr val="tx1"/>
+                          </a:solidFill>
+                          <a:effectLst/>
+                        </a:rPr>
+                        <a:t>20% em 6248 ms</a:t>
+                      </a:r>
+                      <a:endParaRPr lang="pt-BR" sz="900" b="0">
+                        <a:solidFill>
+                          <a:schemeClr val="tx1"/>
+                        </a:solidFill>
+                        <a:effectLst/>
+                        <a:latin typeface="Times New Roman" panose="02020603050405020304" pitchFamily="18" charset="0"/>
+                        <a:ea typeface="Times New Roman" panose="02020603050405020304" pitchFamily="18" charset="0"/>
+                        <a:cs typeface="Times New Roman" panose="02020603050405020304" pitchFamily="18" charset="0"/>
+                      </a:endParaRPr>
+                    </a:p>
+                  </a:txBody>
+                  <a:tcPr marL="58911" marR="58911" marT="0" marB="0" anchor="ctr">
+                    <a:solidFill>
+                      <a:schemeClr val="accent1">
+                        <a:tint val="40000"/>
+                      </a:schemeClr>
+                    </a:solidFill>
+                  </a:tcPr>
+                </a:tc>
+                <a:tc>
+                  <a:txBody>
+                    <a:bodyPr/>
+                    <a:lstStyle/>
+                    <a:p>
+                      <a:pPr algn="ctr">
+                        <a:lnSpc>
+                          <a:spcPct val="150000"/>
+                        </a:lnSpc>
+                        <a:spcAft>
+                          <a:spcPts val="0"/>
+                        </a:spcAft>
+                      </a:pPr>
+                      <a:r>
+                        <a:rPr lang="pt-BR" sz="1000" b="0">
+                          <a:solidFill>
+                            <a:schemeClr val="tx1"/>
+                          </a:solidFill>
+                          <a:effectLst/>
+                        </a:rPr>
+                        <a:t>11% em 6986 ms</a:t>
+                      </a:r>
+                      <a:endParaRPr lang="pt-BR" sz="900" b="0">
+                        <a:solidFill>
+                          <a:schemeClr val="tx1"/>
+                        </a:solidFill>
+                        <a:effectLst/>
+                        <a:latin typeface="Times New Roman" panose="02020603050405020304" pitchFamily="18" charset="0"/>
+                        <a:ea typeface="Times New Roman" panose="02020603050405020304" pitchFamily="18" charset="0"/>
+                        <a:cs typeface="Times New Roman" panose="02020603050405020304" pitchFamily="18" charset="0"/>
+                      </a:endParaRPr>
+                    </a:p>
+                  </a:txBody>
+                  <a:tcPr marL="58911" marR="58911" marT="0" marB="0" anchor="ctr">
+                    <a:solidFill>
+                      <a:schemeClr val="accent1">
+                        <a:tint val="40000"/>
+                      </a:schemeClr>
+                    </a:solidFill>
+                  </a:tcPr>
+                </a:tc>
+                <a:tc>
+                  <a:txBody>
+                    <a:bodyPr/>
+                    <a:lstStyle/>
+                    <a:p>
+                      <a:pPr algn="ctr">
+                        <a:lnSpc>
+                          <a:spcPct val="150000"/>
+                        </a:lnSpc>
+                        <a:spcAft>
+                          <a:spcPts val="0"/>
+                        </a:spcAft>
+                      </a:pPr>
+                      <a:r>
+                        <a:rPr lang="pt-BR" sz="1000" b="0">
+                          <a:solidFill>
+                            <a:schemeClr val="tx1"/>
+                          </a:solidFill>
+                          <a:effectLst/>
+                        </a:rPr>
+                        <a:t>11% em 11410 ms</a:t>
+                      </a:r>
+                      <a:endParaRPr lang="pt-BR" sz="900" b="0">
+                        <a:solidFill>
+                          <a:schemeClr val="tx1"/>
+                        </a:solidFill>
+                        <a:effectLst/>
+                        <a:latin typeface="Times New Roman" panose="02020603050405020304" pitchFamily="18" charset="0"/>
+                        <a:ea typeface="Times New Roman" panose="02020603050405020304" pitchFamily="18" charset="0"/>
+                        <a:cs typeface="Times New Roman" panose="02020603050405020304" pitchFamily="18" charset="0"/>
+                      </a:endParaRPr>
+                    </a:p>
+                  </a:txBody>
+                  <a:tcPr marL="58911" marR="58911" marT="0" marB="0" anchor="ctr">
+                    <a:solidFill>
+                      <a:schemeClr val="accent1">
+                        <a:tint val="40000"/>
+                      </a:schemeClr>
+                    </a:solidFill>
+                  </a:tcPr>
+                </a:tc>
+                <a:tc>
+                  <a:txBody>
+                    <a:bodyPr/>
+                    <a:lstStyle/>
+                    <a:p>
+                      <a:pPr algn="ctr">
+                        <a:lnSpc>
+                          <a:spcPct val="150000"/>
+                        </a:lnSpc>
+                        <a:spcAft>
+                          <a:spcPts val="0"/>
+                        </a:spcAft>
+                      </a:pPr>
+                      <a:r>
+                        <a:rPr lang="pt-BR" sz="1000" b="0">
+                          <a:solidFill>
+                            <a:schemeClr val="tx1"/>
+                          </a:solidFill>
+                          <a:effectLst/>
+                        </a:rPr>
+                        <a:t>20% em 12351 ms</a:t>
+                      </a:r>
+                      <a:endParaRPr lang="pt-BR" sz="900" b="0">
+                        <a:solidFill>
+                          <a:schemeClr val="tx1"/>
+                        </a:solidFill>
+                        <a:effectLst/>
+                        <a:latin typeface="Times New Roman" panose="02020603050405020304" pitchFamily="18" charset="0"/>
+                        <a:ea typeface="Times New Roman" panose="02020603050405020304" pitchFamily="18" charset="0"/>
+                        <a:cs typeface="Times New Roman" panose="02020603050405020304" pitchFamily="18" charset="0"/>
+                      </a:endParaRPr>
+                    </a:p>
+                  </a:txBody>
+                  <a:tcPr marL="58911" marR="58911" marT="0" marB="0" anchor="ctr">
+                    <a:solidFill>
+                      <a:schemeClr val="accent1">
+                        <a:tint val="40000"/>
+                      </a:schemeClr>
+                    </a:solidFill>
+                  </a:tcPr>
+                </a:tc>
+              </a:tr>
+              <a:tr h="235644">
+                <a:tc>
+                  <a:txBody>
+                    <a:bodyPr/>
+                    <a:lstStyle/>
+                    <a:p>
+                      <a:pPr algn="ctr">
+                        <a:lnSpc>
+                          <a:spcPct val="150000"/>
+                        </a:lnSpc>
+                        <a:spcAft>
+                          <a:spcPts val="0"/>
+                        </a:spcAft>
+                      </a:pPr>
+                      <a:r>
+                        <a:rPr lang="pt-BR" sz="1000" b="0">
+                          <a:solidFill>
+                            <a:schemeClr val="tx1"/>
+                          </a:solidFill>
+                          <a:effectLst/>
+                        </a:rPr>
+                        <a:t>20% em 6201 ms</a:t>
+                      </a:r>
+                      <a:endParaRPr lang="pt-BR" sz="900" b="0">
+                        <a:solidFill>
+                          <a:schemeClr val="tx1"/>
+                        </a:solidFill>
+                        <a:effectLst/>
+                        <a:latin typeface="Times New Roman" panose="02020603050405020304" pitchFamily="18" charset="0"/>
+                        <a:ea typeface="Times New Roman" panose="02020603050405020304" pitchFamily="18" charset="0"/>
+                        <a:cs typeface="Times New Roman" panose="02020603050405020304" pitchFamily="18" charset="0"/>
+                      </a:endParaRPr>
+                    </a:p>
+                  </a:txBody>
+                  <a:tcPr marL="58911" marR="58911" marT="0" marB="0" anchor="ctr">
+                    <a:solidFill>
+                      <a:schemeClr val="accent1">
+                        <a:tint val="40000"/>
+                      </a:schemeClr>
+                    </a:solidFill>
+                  </a:tcPr>
+                </a:tc>
+                <a:tc>
+                  <a:txBody>
+                    <a:bodyPr/>
+                    <a:lstStyle/>
+                    <a:p>
+                      <a:pPr algn="ctr">
+                        <a:lnSpc>
+                          <a:spcPct val="150000"/>
+                        </a:lnSpc>
+                        <a:spcAft>
+                          <a:spcPts val="0"/>
+                        </a:spcAft>
+                      </a:pPr>
+                      <a:r>
+                        <a:rPr lang="pt-BR" sz="1000" b="0">
+                          <a:solidFill>
+                            <a:schemeClr val="tx1"/>
+                          </a:solidFill>
+                          <a:effectLst/>
+                        </a:rPr>
+                        <a:t>11% em 7080 ms</a:t>
+                      </a:r>
+                      <a:endParaRPr lang="pt-BR" sz="900" b="0">
+                        <a:solidFill>
+                          <a:schemeClr val="tx1"/>
+                        </a:solidFill>
+                        <a:effectLst/>
+                        <a:latin typeface="Times New Roman" panose="02020603050405020304" pitchFamily="18" charset="0"/>
+                        <a:ea typeface="Times New Roman" panose="02020603050405020304" pitchFamily="18" charset="0"/>
+                        <a:cs typeface="Times New Roman" panose="02020603050405020304" pitchFamily="18" charset="0"/>
+                      </a:endParaRPr>
+                    </a:p>
+                  </a:txBody>
+                  <a:tcPr marL="58911" marR="58911" marT="0" marB="0" anchor="ctr">
+                    <a:solidFill>
+                      <a:schemeClr val="accent1">
+                        <a:tint val="40000"/>
+                      </a:schemeClr>
+                    </a:solidFill>
+                  </a:tcPr>
+                </a:tc>
+                <a:tc>
+                  <a:txBody>
+                    <a:bodyPr/>
+                    <a:lstStyle/>
+                    <a:p>
+                      <a:pPr algn="ctr">
+                        <a:lnSpc>
+                          <a:spcPct val="150000"/>
+                        </a:lnSpc>
+                        <a:spcAft>
+                          <a:spcPts val="0"/>
+                        </a:spcAft>
+                      </a:pPr>
+                      <a:r>
+                        <a:rPr lang="pt-BR" sz="1000" b="0">
+                          <a:solidFill>
+                            <a:schemeClr val="tx1"/>
+                          </a:solidFill>
+                          <a:effectLst/>
+                        </a:rPr>
+                        <a:t>11% em 11365 ms</a:t>
+                      </a:r>
+                      <a:endParaRPr lang="pt-BR" sz="900" b="0">
+                        <a:solidFill>
+                          <a:schemeClr val="tx1"/>
+                        </a:solidFill>
+                        <a:effectLst/>
+                        <a:latin typeface="Times New Roman" panose="02020603050405020304" pitchFamily="18" charset="0"/>
+                        <a:ea typeface="Times New Roman" panose="02020603050405020304" pitchFamily="18" charset="0"/>
+                        <a:cs typeface="Times New Roman" panose="02020603050405020304" pitchFamily="18" charset="0"/>
+                      </a:endParaRPr>
+                    </a:p>
+                  </a:txBody>
+                  <a:tcPr marL="58911" marR="58911" marT="0" marB="0" anchor="ctr">
+                    <a:solidFill>
+                      <a:schemeClr val="accent1">
+                        <a:tint val="40000"/>
+                      </a:schemeClr>
+                    </a:solidFill>
+                  </a:tcPr>
+                </a:tc>
+                <a:tc>
+                  <a:txBody>
+                    <a:bodyPr/>
+                    <a:lstStyle/>
+                    <a:p>
+                      <a:pPr algn="ctr">
+                        <a:lnSpc>
+                          <a:spcPct val="150000"/>
+                        </a:lnSpc>
+                        <a:spcAft>
+                          <a:spcPts val="0"/>
+                        </a:spcAft>
+                      </a:pPr>
+                      <a:r>
+                        <a:rPr lang="pt-BR" sz="1000" b="0">
+                          <a:solidFill>
+                            <a:schemeClr val="tx1"/>
+                          </a:solidFill>
+                          <a:effectLst/>
+                        </a:rPr>
+                        <a:t>20% em 12301 ms</a:t>
+                      </a:r>
+                      <a:endParaRPr lang="pt-BR" sz="900" b="0">
+                        <a:solidFill>
+                          <a:schemeClr val="tx1"/>
+                        </a:solidFill>
+                        <a:effectLst/>
+                        <a:latin typeface="Times New Roman" panose="02020603050405020304" pitchFamily="18" charset="0"/>
+                        <a:ea typeface="Times New Roman" panose="02020603050405020304" pitchFamily="18" charset="0"/>
+                        <a:cs typeface="Times New Roman" panose="02020603050405020304" pitchFamily="18" charset="0"/>
+                      </a:endParaRPr>
+                    </a:p>
+                  </a:txBody>
+                  <a:tcPr marL="58911" marR="58911" marT="0" marB="0" anchor="ctr">
+                    <a:solidFill>
+                      <a:schemeClr val="accent1">
+                        <a:tint val="40000"/>
+                      </a:schemeClr>
+                    </a:solidFill>
+                  </a:tcPr>
+                </a:tc>
+              </a:tr>
+              <a:tr h="235644">
+                <a:tc>
+                  <a:txBody>
+                    <a:bodyPr/>
+                    <a:lstStyle/>
+                    <a:p>
+                      <a:pPr algn="ctr">
+                        <a:lnSpc>
+                          <a:spcPct val="150000"/>
+                        </a:lnSpc>
+                        <a:spcAft>
+                          <a:spcPts val="0"/>
+                        </a:spcAft>
+                      </a:pPr>
+                      <a:r>
+                        <a:rPr lang="pt-BR" sz="1000" b="0">
+                          <a:solidFill>
+                            <a:schemeClr val="tx1"/>
+                          </a:solidFill>
+                          <a:effectLst/>
+                        </a:rPr>
+                        <a:t>20% em 6111 ms</a:t>
+                      </a:r>
+                      <a:endParaRPr lang="pt-BR" sz="900" b="0">
+                        <a:solidFill>
+                          <a:schemeClr val="tx1"/>
+                        </a:solidFill>
+                        <a:effectLst/>
+                        <a:latin typeface="Times New Roman" panose="02020603050405020304" pitchFamily="18" charset="0"/>
+                        <a:ea typeface="Times New Roman" panose="02020603050405020304" pitchFamily="18" charset="0"/>
+                        <a:cs typeface="Times New Roman" panose="02020603050405020304" pitchFamily="18" charset="0"/>
+                      </a:endParaRPr>
+                    </a:p>
+                  </a:txBody>
+                  <a:tcPr marL="58911" marR="58911" marT="0" marB="0" anchor="ctr">
+                    <a:solidFill>
+                      <a:schemeClr val="accent1">
+                        <a:tint val="40000"/>
+                      </a:schemeClr>
+                    </a:solidFill>
+                  </a:tcPr>
+                </a:tc>
+                <a:tc>
+                  <a:txBody>
+                    <a:bodyPr/>
+                    <a:lstStyle/>
+                    <a:p>
+                      <a:pPr algn="ctr">
+                        <a:lnSpc>
+                          <a:spcPct val="150000"/>
+                        </a:lnSpc>
+                        <a:spcAft>
+                          <a:spcPts val="0"/>
+                        </a:spcAft>
+                      </a:pPr>
+                      <a:r>
+                        <a:rPr lang="pt-BR" sz="1000" b="0">
+                          <a:solidFill>
+                            <a:schemeClr val="tx1"/>
+                          </a:solidFill>
+                          <a:effectLst/>
+                        </a:rPr>
+                        <a:t>11% em 7205 ms</a:t>
+                      </a:r>
+                      <a:endParaRPr lang="pt-BR" sz="900" b="0">
+                        <a:solidFill>
+                          <a:schemeClr val="tx1"/>
+                        </a:solidFill>
+                        <a:effectLst/>
+                        <a:latin typeface="Times New Roman" panose="02020603050405020304" pitchFamily="18" charset="0"/>
+                        <a:ea typeface="Times New Roman" panose="02020603050405020304" pitchFamily="18" charset="0"/>
+                        <a:cs typeface="Times New Roman" panose="02020603050405020304" pitchFamily="18" charset="0"/>
+                      </a:endParaRPr>
+                    </a:p>
+                  </a:txBody>
+                  <a:tcPr marL="58911" marR="58911" marT="0" marB="0" anchor="ctr">
+                    <a:solidFill>
+                      <a:schemeClr val="accent1">
+                        <a:tint val="40000"/>
+                      </a:schemeClr>
+                    </a:solidFill>
+                  </a:tcPr>
+                </a:tc>
+                <a:tc>
+                  <a:txBody>
+                    <a:bodyPr/>
+                    <a:lstStyle/>
+                    <a:p>
+                      <a:pPr algn="ctr">
+                        <a:lnSpc>
+                          <a:spcPct val="150000"/>
+                        </a:lnSpc>
+                        <a:spcAft>
+                          <a:spcPts val="0"/>
+                        </a:spcAft>
+                      </a:pPr>
+                      <a:r>
+                        <a:rPr lang="pt-BR" sz="1000" b="0">
+                          <a:solidFill>
+                            <a:schemeClr val="tx1"/>
+                          </a:solidFill>
+                          <a:effectLst/>
+                        </a:rPr>
+                        <a:t>11% em 11373 ms</a:t>
+                      </a:r>
+                      <a:endParaRPr lang="pt-BR" sz="900" b="0">
+                        <a:solidFill>
+                          <a:schemeClr val="tx1"/>
+                        </a:solidFill>
+                        <a:effectLst/>
+                        <a:latin typeface="Times New Roman" panose="02020603050405020304" pitchFamily="18" charset="0"/>
+                        <a:ea typeface="Times New Roman" panose="02020603050405020304" pitchFamily="18" charset="0"/>
+                        <a:cs typeface="Times New Roman" panose="02020603050405020304" pitchFamily="18" charset="0"/>
+                      </a:endParaRPr>
+                    </a:p>
+                  </a:txBody>
+                  <a:tcPr marL="58911" marR="58911" marT="0" marB="0" anchor="ctr">
+                    <a:solidFill>
+                      <a:schemeClr val="accent1">
+                        <a:tint val="40000"/>
+                      </a:schemeClr>
+                    </a:solidFill>
+                  </a:tcPr>
+                </a:tc>
+                <a:tc>
+                  <a:txBody>
+                    <a:bodyPr/>
+                    <a:lstStyle/>
+                    <a:p>
+                      <a:pPr algn="ctr">
+                        <a:lnSpc>
+                          <a:spcPct val="150000"/>
+                        </a:lnSpc>
+                        <a:spcAft>
+                          <a:spcPts val="0"/>
+                        </a:spcAft>
+                      </a:pPr>
+                      <a:r>
+                        <a:rPr lang="pt-BR" sz="1000" b="0" dirty="0">
+                          <a:solidFill>
+                            <a:schemeClr val="tx1"/>
+                          </a:solidFill>
+                          <a:effectLst/>
+                        </a:rPr>
+                        <a:t>20% em 12534 ms</a:t>
+                      </a:r>
+                      <a:endParaRPr lang="pt-BR" sz="900" b="0" dirty="0">
+                        <a:solidFill>
+                          <a:schemeClr val="tx1"/>
+                        </a:solidFill>
+                        <a:effectLst/>
+                        <a:latin typeface="Times New Roman" panose="02020603050405020304" pitchFamily="18" charset="0"/>
+                        <a:ea typeface="Times New Roman" panose="02020603050405020304" pitchFamily="18" charset="0"/>
+                        <a:cs typeface="Times New Roman" panose="02020603050405020304" pitchFamily="18" charset="0"/>
+                      </a:endParaRPr>
+                    </a:p>
+                  </a:txBody>
+                  <a:tcPr marL="58911" marR="58911" marT="0" marB="0" anchor="ctr">
+                    <a:solidFill>
+                      <a:schemeClr val="accent1">
+                        <a:tint val="40000"/>
+                      </a:schemeClr>
+                    </a:solidFill>
+                  </a:tcPr>
+                </a:tc>
+              </a:tr>
+            </a:tbl>
+          </a:graphicData>
+        </a:graphic>
+      </p:graphicFrame>
     </p:spTree>
     <p:extLst>
       <p:ext uri="{BB962C8B-B14F-4D97-AF65-F5344CB8AC3E}">
@@ -6015,7 +8536,49 @@
                 <a:latin typeface="Times New Roman" panose="02020603050405020304" pitchFamily="18" charset="0"/>
                 <a:cs typeface="Times New Roman" panose="02020603050405020304" pitchFamily="18" charset="0"/>
               </a:rPr>
-              <a:t>KNN com Distancia Euclidiana Ponderada obteve os melhores resultados.</a:t>
+              <a:t>KNN com Distancia Euclidiana </a:t>
+            </a:r>
+            <a:r>
+              <a:rPr lang="pt-BR" sz="2800" dirty="0" smtClean="0">
+                <a:effectLst>
+                  <a:outerShdw blurRad="38100" dist="38100" dir="2700000" algn="tl">
+                    <a:srgbClr val="000000">
+                      <a:alpha val="43137"/>
+                    </a:srgbClr>
+                  </a:outerShdw>
+                </a:effectLst>
+                <a:latin typeface="Times New Roman" panose="02020603050405020304" pitchFamily="18" charset="0"/>
+                <a:cs typeface="Times New Roman" panose="02020603050405020304" pitchFamily="18" charset="0"/>
+              </a:rPr>
+              <a:t>Ponderada e com </a:t>
+            </a:r>
+            <a:r>
+              <a:rPr lang="pt-BR" sz="2800" smtClean="0">
+                <a:effectLst>
+                  <a:outerShdw blurRad="38100" dist="38100" dir="2700000" algn="tl">
+                    <a:srgbClr val="000000">
+                      <a:alpha val="43137"/>
+                    </a:srgbClr>
+                  </a:outerShdw>
+                </a:effectLst>
+                <a:latin typeface="Times New Roman" panose="02020603050405020304" pitchFamily="18" charset="0"/>
+                <a:cs typeface="Times New Roman" panose="02020603050405020304" pitchFamily="18" charset="0"/>
+              </a:rPr>
+              <a:t>leitura ordenada </a:t>
+            </a:r>
+            <a:r>
+              <a:rPr lang="pt-BR" sz="2800" dirty="0" smtClean="0">
+                <a:effectLst>
+                  <a:outerShdw blurRad="38100" dist="38100" dir="2700000" algn="tl">
+                    <a:srgbClr val="000000">
+                      <a:alpha val="43137"/>
+                    </a:srgbClr>
+                  </a:outerShdw>
+                </a:effectLst>
+                <a:latin typeface="Times New Roman" panose="02020603050405020304" pitchFamily="18" charset="0"/>
+                <a:cs typeface="Times New Roman" panose="02020603050405020304" pitchFamily="18" charset="0"/>
+              </a:rPr>
+              <a:t>obteve os melhores resultados.</a:t>
             </a:r>
           </a:p>
         </p:txBody>

--- a/apresentacao/Projeto Apresentação.pptx
+++ b/apresentacao/Projeto Apresentação.pptx
@@ -251,7 +251,7 @@
           <a:p>
             <a:fld id="{C297F656-AC51-4644-BEED-4EC8694262A0}" type="datetimeFigureOut">
               <a:rPr lang="pt-BR" smtClean="0"/>
-              <a:t>15/08/2017</a:t>
+              <a:t>16/08/2017</a:t>
             </a:fld>
             <a:endParaRPr lang="pt-BR"/>
           </a:p>
@@ -421,7 +421,7 @@
           <a:p>
             <a:fld id="{C297F656-AC51-4644-BEED-4EC8694262A0}" type="datetimeFigureOut">
               <a:rPr lang="pt-BR" smtClean="0"/>
-              <a:t>15/08/2017</a:t>
+              <a:t>16/08/2017</a:t>
             </a:fld>
             <a:endParaRPr lang="pt-BR"/>
           </a:p>
@@ -601,7 +601,7 @@
           <a:p>
             <a:fld id="{C297F656-AC51-4644-BEED-4EC8694262A0}" type="datetimeFigureOut">
               <a:rPr lang="pt-BR" smtClean="0"/>
-              <a:t>15/08/2017</a:t>
+              <a:t>16/08/2017</a:t>
             </a:fld>
             <a:endParaRPr lang="pt-BR"/>
           </a:p>
@@ -771,7 +771,7 @@
           <a:p>
             <a:fld id="{C297F656-AC51-4644-BEED-4EC8694262A0}" type="datetimeFigureOut">
               <a:rPr lang="pt-BR" smtClean="0"/>
-              <a:t>15/08/2017</a:t>
+              <a:t>16/08/2017</a:t>
             </a:fld>
             <a:endParaRPr lang="pt-BR"/>
           </a:p>
@@ -1017,7 +1017,7 @@
           <a:p>
             <a:fld id="{C297F656-AC51-4644-BEED-4EC8694262A0}" type="datetimeFigureOut">
               <a:rPr lang="pt-BR" smtClean="0"/>
-              <a:t>15/08/2017</a:t>
+              <a:t>16/08/2017</a:t>
             </a:fld>
             <a:endParaRPr lang="pt-BR"/>
           </a:p>
@@ -1249,7 +1249,7 @@
           <a:p>
             <a:fld id="{C297F656-AC51-4644-BEED-4EC8694262A0}" type="datetimeFigureOut">
               <a:rPr lang="pt-BR" smtClean="0"/>
-              <a:t>15/08/2017</a:t>
+              <a:t>16/08/2017</a:t>
             </a:fld>
             <a:endParaRPr lang="pt-BR"/>
           </a:p>
@@ -1616,7 +1616,7 @@
           <a:p>
             <a:fld id="{C297F656-AC51-4644-BEED-4EC8694262A0}" type="datetimeFigureOut">
               <a:rPr lang="pt-BR" smtClean="0"/>
-              <a:t>15/08/2017</a:t>
+              <a:t>16/08/2017</a:t>
             </a:fld>
             <a:endParaRPr lang="pt-BR"/>
           </a:p>
@@ -1734,7 +1734,7 @@
           <a:p>
             <a:fld id="{C297F656-AC51-4644-BEED-4EC8694262A0}" type="datetimeFigureOut">
               <a:rPr lang="pt-BR" smtClean="0"/>
-              <a:t>15/08/2017</a:t>
+              <a:t>16/08/2017</a:t>
             </a:fld>
             <a:endParaRPr lang="pt-BR"/>
           </a:p>
@@ -1829,7 +1829,7 @@
           <a:p>
             <a:fld id="{C297F656-AC51-4644-BEED-4EC8694262A0}" type="datetimeFigureOut">
               <a:rPr lang="pt-BR" smtClean="0"/>
-              <a:t>15/08/2017</a:t>
+              <a:t>16/08/2017</a:t>
             </a:fld>
             <a:endParaRPr lang="pt-BR"/>
           </a:p>
@@ -2106,7 +2106,7 @@
           <a:p>
             <a:fld id="{C297F656-AC51-4644-BEED-4EC8694262A0}" type="datetimeFigureOut">
               <a:rPr lang="pt-BR" smtClean="0"/>
-              <a:t>15/08/2017</a:t>
+              <a:t>16/08/2017</a:t>
             </a:fld>
             <a:endParaRPr lang="pt-BR"/>
           </a:p>
@@ -2359,7 +2359,7 @@
           <a:p>
             <a:fld id="{C297F656-AC51-4644-BEED-4EC8694262A0}" type="datetimeFigureOut">
               <a:rPr lang="pt-BR" smtClean="0"/>
-              <a:t>15/08/2017</a:t>
+              <a:t>16/08/2017</a:t>
             </a:fld>
             <a:endParaRPr lang="pt-BR"/>
           </a:p>
@@ -2572,7 +2572,7 @@
           <a:p>
             <a:fld id="{C297F656-AC51-4644-BEED-4EC8694262A0}" type="datetimeFigureOut">
               <a:rPr lang="pt-BR" smtClean="0"/>
-              <a:t>15/08/2017</a:t>
+              <a:t>16/08/2017</a:t>
             </a:fld>
             <a:endParaRPr lang="pt-BR"/>
           </a:p>
@@ -8536,7 +8536,35 @@
                 <a:latin typeface="Times New Roman" panose="02020603050405020304" pitchFamily="18" charset="0"/>
                 <a:cs typeface="Times New Roman" panose="02020603050405020304" pitchFamily="18" charset="0"/>
               </a:rPr>
-              <a:t>KNN com Distancia Euclidiana </a:t>
+              <a:t>KNN com Distancia Euclidiana Ponderada e com </a:t>
+            </a:r>
+            <a:r>
+              <a:rPr lang="pt-BR" sz="2800" smtClean="0">
+                <a:effectLst>
+                  <a:outerShdw blurRad="38100" dist="38100" dir="2700000" algn="tl">
+                    <a:srgbClr val="000000">
+                      <a:alpha val="43137"/>
+                    </a:srgbClr>
+                  </a:outerShdw>
+                </a:effectLst>
+                <a:latin typeface="Times New Roman" panose="02020603050405020304" pitchFamily="18" charset="0"/>
+                <a:cs typeface="Times New Roman" panose="02020603050405020304" pitchFamily="18" charset="0"/>
+              </a:rPr>
+              <a:t>leitura </a:t>
+            </a:r>
+            <a:r>
+              <a:rPr lang="pt-BR" sz="2800" smtClean="0">
+                <a:effectLst>
+                  <a:outerShdw blurRad="38100" dist="38100" dir="2700000" algn="tl">
+                    <a:srgbClr val="000000">
+                      <a:alpha val="43137"/>
+                    </a:srgbClr>
+                  </a:outerShdw>
+                </a:effectLst>
+                <a:latin typeface="Times New Roman" panose="02020603050405020304" pitchFamily="18" charset="0"/>
+                <a:cs typeface="Times New Roman" panose="02020603050405020304" pitchFamily="18" charset="0"/>
+              </a:rPr>
+              <a:t>aleatória obteve </a:t>
             </a:r>
             <a:r>
               <a:rPr lang="pt-BR" sz="2800" dirty="0" smtClean="0">
@@ -8550,35 +8578,7 @@
                 <a:latin typeface="Times New Roman" panose="02020603050405020304" pitchFamily="18" charset="0"/>
                 <a:cs typeface="Times New Roman" panose="02020603050405020304" pitchFamily="18" charset="0"/>
               </a:rPr>
-              <a:t>Ponderada e com </a:t>
-            </a:r>
-            <a:r>
-              <a:rPr lang="pt-BR" sz="2800" smtClean="0">
-                <a:effectLst>
-                  <a:outerShdw blurRad="38100" dist="38100" dir="2700000" algn="tl">
-                    <a:srgbClr val="000000">
-                      <a:alpha val="43137"/>
-                    </a:srgbClr>
-                  </a:outerShdw>
-                </a:effectLst>
-                <a:latin typeface="Times New Roman" panose="02020603050405020304" pitchFamily="18" charset="0"/>
-                <a:cs typeface="Times New Roman" panose="02020603050405020304" pitchFamily="18" charset="0"/>
-              </a:rPr>
-              <a:t>leitura ordenada </a:t>
-            </a:r>
-            <a:r>
-              <a:rPr lang="pt-BR" sz="2800" dirty="0" smtClean="0">
-                <a:effectLst>
-                  <a:outerShdw blurRad="38100" dist="38100" dir="2700000" algn="tl">
-                    <a:srgbClr val="000000">
-                      <a:alpha val="43137"/>
-                    </a:srgbClr>
-                  </a:outerShdw>
-                </a:effectLst>
-                <a:latin typeface="Times New Roman" panose="02020603050405020304" pitchFamily="18" charset="0"/>
-                <a:cs typeface="Times New Roman" panose="02020603050405020304" pitchFamily="18" charset="0"/>
-              </a:rPr>
-              <a:t>obteve os melhores resultados.</a:t>
+              <a:t>os melhores resultados.</a:t>
             </a:r>
           </a:p>
         </p:txBody>
